--- a/slides/Presentation1.pptx
+++ b/slides/Presentation1.pptx
@@ -5,20 +5,19 @@
     <p:sldMasterId id="2147483648" r:id="rId1"/>
   </p:sldMasterIdLst>
   <p:notesMasterIdLst>
-    <p:notesMasterId r:id="rId13"/>
+    <p:notesMasterId r:id="rId12"/>
   </p:notesMasterIdLst>
   <p:sldIdLst>
     <p:sldId id="256" r:id="rId2"/>
     <p:sldId id="257" r:id="rId3"/>
     <p:sldId id="258" r:id="rId4"/>
     <p:sldId id="259" r:id="rId5"/>
-    <p:sldId id="263" r:id="rId6"/>
-    <p:sldId id="261" r:id="rId7"/>
-    <p:sldId id="262" r:id="rId8"/>
-    <p:sldId id="264" r:id="rId9"/>
-    <p:sldId id="265" r:id="rId10"/>
-    <p:sldId id="266" r:id="rId11"/>
-    <p:sldId id="260" r:id="rId12"/>
+    <p:sldId id="261" r:id="rId6"/>
+    <p:sldId id="262" r:id="rId7"/>
+    <p:sldId id="264" r:id="rId8"/>
+    <p:sldId id="265" r:id="rId9"/>
+    <p:sldId id="266" r:id="rId10"/>
+    <p:sldId id="260" r:id="rId11"/>
   </p:sldIdLst>
   <p:sldSz cx="12192000" cy="6858000"/>
   <p:notesSz cx="6858000" cy="9144000"/>
@@ -117,6 +116,11 @@
       </a:defRPr>
     </a:lvl9pPr>
   </p:defaultTextStyle>
+  <p:extLst>
+    <p:ext uri="{EFAFB233-063F-42B5-8137-9DF3F51BA10A}">
+      <p15:sldGuideLst xmlns:p15="http://schemas.microsoft.com/office/powerpoint/2012/main"/>
+    </p:ext>
+  </p:extLst>
 </p:presentation>
 </file>
 
@@ -565,7 +569,7 @@
           <a:p>
             <a:fld id="{5BC00873-E4B2-234E-885F-727CE183BB53}" type="slidenum">
               <a:rPr lang="en-US" smtClean="0"/>
-              <a:t>6</a:t>
+              <a:t>5</a:t>
             </a:fld>
             <a:endParaRPr lang="en-US"/>
           </a:p>
@@ -3669,247 +3673,6 @@
       </p:cxnSp>
       <p:sp>
         <p:nvSpPr>
-          <p:cNvPr id="9" name="TextBox 8"/>
-          <p:cNvSpPr txBox="1"/>
-          <p:nvPr/>
-        </p:nvSpPr>
-        <p:spPr>
-          <a:xfrm>
-            <a:off x="4988640" y="325727"/>
-            <a:ext cx="2233304" cy="646331"/>
-          </a:xfrm>
-          <a:prstGeom prst="rect">
-            <a:avLst/>
-          </a:prstGeom>
-          <a:noFill/>
-        </p:spPr>
-        <p:txBody>
-          <a:bodyPr wrap="none" rtlCol="0">
-            <a:spAutoFit/>
-          </a:bodyPr>
-          <a:lstStyle/>
-          <a:p>
-            <a:r>
-              <a:rPr lang="en-US" sz="3600" dirty="0" smtClean="0"/>
-              <a:t>Conclusion</a:t>
-            </a:r>
-          </a:p>
-        </p:txBody>
-      </p:sp>
-      <p:sp>
-        <p:nvSpPr>
-          <p:cNvPr id="3" name="Content Placeholder 2"/>
-          <p:cNvSpPr>
-            <a:spLocks noGrp="1"/>
-          </p:cNvSpPr>
-          <p:nvPr>
-            <p:ph sz="half" idx="1"/>
-          </p:nvPr>
-        </p:nvSpPr>
-        <p:spPr/>
-        <p:txBody>
-          <a:bodyPr/>
-          <a:lstStyle/>
-          <a:p>
-            <a:endParaRPr lang="en-US" dirty="0" smtClean="0"/>
-          </a:p>
-          <a:p>
-            <a:r>
-              <a:rPr lang="en-US" dirty="0" smtClean="0"/>
-              <a:t>XXX</a:t>
-            </a:r>
-          </a:p>
-        </p:txBody>
-      </p:sp>
-      <p:sp>
-        <p:nvSpPr>
-          <p:cNvPr id="4" name="Content Placeholder 3"/>
-          <p:cNvSpPr>
-            <a:spLocks noGrp="1"/>
-          </p:cNvSpPr>
-          <p:nvPr>
-            <p:ph sz="half" idx="2"/>
-          </p:nvPr>
-        </p:nvSpPr>
-        <p:spPr/>
-        <p:txBody>
-          <a:bodyPr/>
-          <a:lstStyle/>
-          <a:p>
-            <a:endParaRPr lang="en-US" dirty="0" smtClean="0"/>
-          </a:p>
-          <a:p>
-            <a:r>
-              <a:rPr lang="en-US" dirty="0" smtClean="0"/>
-              <a:t>YYY</a:t>
-            </a:r>
-            <a:endParaRPr lang="en-US" dirty="0"/>
-          </a:p>
-        </p:txBody>
-      </p:sp>
-      <p:sp>
-        <p:nvSpPr>
-          <p:cNvPr id="6" name="TextBox 5"/>
-          <p:cNvSpPr txBox="1"/>
-          <p:nvPr/>
-        </p:nvSpPr>
-        <p:spPr>
-          <a:xfrm>
-            <a:off x="2644811" y="1302405"/>
-            <a:ext cx="1568378" cy="523220"/>
-          </a:xfrm>
-          <a:prstGeom prst="rect">
-            <a:avLst/>
-          </a:prstGeom>
-          <a:noFill/>
-        </p:spPr>
-        <p:txBody>
-          <a:bodyPr wrap="none" rtlCol="0">
-            <a:spAutoFit/>
-          </a:bodyPr>
-          <a:lstStyle/>
-          <a:p>
-            <a:r>
-              <a:rPr lang="en-US" sz="2800" dirty="0" smtClean="0"/>
-              <a:t>Language</a:t>
-            </a:r>
-            <a:endParaRPr lang="en-US" sz="2800" dirty="0"/>
-          </a:p>
-        </p:txBody>
-      </p:sp>
-      <p:sp>
-        <p:nvSpPr>
-          <p:cNvPr id="10" name="TextBox 9"/>
-          <p:cNvSpPr txBox="1"/>
-          <p:nvPr/>
-        </p:nvSpPr>
-        <p:spPr>
-          <a:xfrm>
-            <a:off x="7978811" y="1295516"/>
-            <a:ext cx="1468415" cy="523220"/>
-          </a:xfrm>
-          <a:prstGeom prst="rect">
-            <a:avLst/>
-          </a:prstGeom>
-          <a:noFill/>
-        </p:spPr>
-        <p:txBody>
-          <a:bodyPr wrap="none" rtlCol="0">
-            <a:spAutoFit/>
-          </a:bodyPr>
-          <a:lstStyle/>
-          <a:p>
-            <a:r>
-              <a:rPr lang="en-US" sz="2800" dirty="0" smtClean="0"/>
-              <a:t>Statistics</a:t>
-            </a:r>
-            <a:endParaRPr lang="en-US" sz="2800" dirty="0"/>
-          </a:p>
-        </p:txBody>
-      </p:sp>
-    </p:spTree>
-    <p:extLst>
-      <p:ext uri="{BB962C8B-B14F-4D97-AF65-F5344CB8AC3E}">
-        <p14:creationId xmlns:p14="http://schemas.microsoft.com/office/powerpoint/2010/main" val="2113882073"/>
-      </p:ext>
-    </p:extLst>
-  </p:cSld>
-  <p:clrMapOvr>
-    <a:masterClrMapping/>
-  </p:clrMapOvr>
-  <p:timing>
-    <p:tnLst>
-      <p:par>
-        <p:cTn id="1" dur="indefinite" restart="never" nodeType="tmRoot"/>
-      </p:par>
-    </p:tnLst>
-  </p:timing>
-</p:sld>
-</file>
-
-<file path=ppt/slides/slide11.xml><?xml version="1.0" encoding="utf-8"?>
-<p:sld xmlns:a="http://schemas.openxmlformats.org/drawingml/2006/main" xmlns:r="http://schemas.openxmlformats.org/officeDocument/2006/relationships" xmlns:p="http://schemas.openxmlformats.org/presentationml/2006/main">
-  <p:cSld>
-    <p:spTree>
-      <p:nvGrpSpPr>
-        <p:cNvPr id="1" name=""/>
-        <p:cNvGrpSpPr/>
-        <p:nvPr/>
-      </p:nvGrpSpPr>
-      <p:grpSpPr>
-        <a:xfrm>
-          <a:off x="0" y="0"/>
-          <a:ext cx="0" cy="0"/>
-          <a:chOff x="0" y="0"/>
-          <a:chExt cx="0" cy="0"/>
-        </a:xfrm>
-      </p:grpSpPr>
-      <p:pic>
-        <p:nvPicPr>
-          <p:cNvPr id="5" name="image1.png"/>
-          <p:cNvPicPr>
-            <a:picLocks noChangeAspect="1"/>
-          </p:cNvPicPr>
-          <p:nvPr/>
-        </p:nvPicPr>
-        <p:blipFill>
-          <a:blip r:embed="rId2">
-            <a:extLst/>
-          </a:blip>
-          <a:stretch>
-            <a:fillRect/>
-          </a:stretch>
-        </p:blipFill>
-        <p:spPr>
-          <a:xfrm>
-            <a:off x="305304" y="249665"/>
-            <a:ext cx="2125662" cy="798457"/>
-          </a:xfrm>
-          <a:prstGeom prst="rect">
-            <a:avLst/>
-          </a:prstGeom>
-          <a:ln w="12700">
-            <a:miter lim="400000"/>
-          </a:ln>
-        </p:spPr>
-      </p:pic>
-      <p:cxnSp>
-        <p:nvCxnSpPr>
-          <p:cNvPr id="8" name="Straight Connector 7"/>
-          <p:cNvCxnSpPr/>
-          <p:nvPr/>
-        </p:nvCxnSpPr>
-        <p:spPr>
-          <a:xfrm>
-            <a:off x="457200" y="1105274"/>
-            <a:ext cx="11296185" cy="0"/>
-          </a:xfrm>
-          <a:prstGeom prst="line">
-            <a:avLst/>
-          </a:prstGeom>
-          <a:ln w="25400">
-            <a:solidFill>
-              <a:srgbClr val="C00000"/>
-            </a:solidFill>
-          </a:ln>
-        </p:spPr>
-        <p:style>
-          <a:lnRef idx="1">
-            <a:schemeClr val="accent1"/>
-          </a:lnRef>
-          <a:fillRef idx="0">
-            <a:schemeClr val="accent1"/>
-          </a:fillRef>
-          <a:effectRef idx="0">
-            <a:schemeClr val="accent1"/>
-          </a:effectRef>
-          <a:fontRef idx="minor">
-            <a:schemeClr val="tx1"/>
-          </a:fontRef>
-        </p:style>
-      </p:cxnSp>
-      <p:sp>
-        <p:nvSpPr>
           <p:cNvPr id="2" name="TextBox 1"/>
           <p:cNvSpPr txBox="1"/>
           <p:nvPr/>
@@ -4741,7 +4504,114 @@
           <a:bodyPr/>
           <a:lstStyle/>
           <a:p>
+            <a:r>
+              <a:rPr lang="en-US" dirty="0" smtClean="0"/>
+              <a:t>Type of features: 12</a:t>
+            </a:r>
+          </a:p>
+          <a:p>
+            <a:r>
+              <a:rPr lang="en-US" dirty="0" smtClean="0"/>
+              <a:t>Category of features: </a:t>
+            </a:r>
+          </a:p>
+          <a:p>
+            <a:pPr lvl="1"/>
+            <a:r>
+              <a:rPr lang="en-US" dirty="0" smtClean="0"/>
+              <a:t>Semantic</a:t>
+            </a:r>
+          </a:p>
+          <a:p>
+            <a:pPr lvl="1"/>
+            <a:r>
+              <a:rPr lang="en-US" dirty="0" smtClean="0"/>
+              <a:t>Syntactic</a:t>
+            </a:r>
             <a:endParaRPr lang="en-US" dirty="0"/>
+          </a:p>
+          <a:p>
+            <a:pPr lvl="1"/>
+            <a:r>
+              <a:rPr lang="en-US" dirty="0" smtClean="0"/>
+              <a:t>Statistical </a:t>
+            </a:r>
+            <a:endParaRPr lang="en-US" dirty="0" smtClean="0"/>
+          </a:p>
+          <a:p>
+            <a:r>
+              <a:rPr lang="en-US" dirty="0" smtClean="0"/>
+              <a:t>Most powerful features:</a:t>
+            </a:r>
+          </a:p>
+          <a:p>
+            <a:pPr lvl="1"/>
+            <a:r>
+              <a:rPr lang="en-US" dirty="0" smtClean="0"/>
+              <a:t>Perplexity ratio of quad-gram and tri-gram (Avg. cv: 85%, </a:t>
+            </a:r>
+            <a:r>
+              <a:rPr lang="en-US" dirty="0"/>
+              <a:t>D</a:t>
+            </a:r>
+            <a:r>
+              <a:rPr lang="en-US" dirty="0" smtClean="0"/>
+              <a:t>ev: 88% )</a:t>
+            </a:r>
+          </a:p>
+          <a:p>
+            <a:pPr lvl="1"/>
+            <a:r>
+              <a:rPr lang="en-US" dirty="0" smtClean="0"/>
+              <a:t>Percentage of phrases repetition (</a:t>
+            </a:r>
+            <a:r>
+              <a:rPr lang="en-US" dirty="0"/>
+              <a:t>Avg. cv: </a:t>
+            </a:r>
+            <a:r>
+              <a:rPr lang="en-US" altLang="zh-CN" dirty="0" smtClean="0"/>
+              <a:t>71</a:t>
+            </a:r>
+            <a:r>
+              <a:rPr lang="en-US" dirty="0" smtClean="0"/>
+              <a:t>%, </a:t>
+            </a:r>
+            <a:r>
+              <a:rPr lang="en-US" dirty="0"/>
+              <a:t>Dev: </a:t>
+            </a:r>
+            <a:r>
+              <a:rPr lang="en-US" dirty="0" smtClean="0"/>
+              <a:t>70% )</a:t>
+            </a:r>
+          </a:p>
+          <a:p>
+            <a:pPr lvl="1"/>
+            <a:r>
+              <a:rPr lang="en-US" dirty="0" smtClean="0"/>
+              <a:t>Number &amp; percentage of unseen pairs (</a:t>
+            </a:r>
+            <a:r>
+              <a:rPr lang="en-US" dirty="0"/>
+              <a:t>Avg. cv: </a:t>
+            </a:r>
+            <a:r>
+              <a:rPr lang="en-US" dirty="0" smtClean="0"/>
+              <a:t>62%, </a:t>
+            </a:r>
+            <a:r>
+              <a:rPr lang="en-US" dirty="0"/>
+              <a:t>Dev: </a:t>
+            </a:r>
+            <a:r>
+              <a:rPr lang="en-US" dirty="0" smtClean="0"/>
+              <a:t>63%)</a:t>
+            </a:r>
+          </a:p>
+          <a:p>
+            <a:pPr lvl="1"/>
+            <a:endParaRPr lang="en-US" dirty="0" smtClean="0"/>
           </a:p>
         </p:txBody>
       </p:sp>
@@ -4791,7 +4661,7 @@
           <p:nvPr/>
         </p:nvPicPr>
         <p:blipFill>
-          <a:blip r:embed="rId2">
+          <a:blip r:embed="rId3">
             <a:extLst/>
           </a:blip>
           <a:stretch>
@@ -4854,8 +4724,8 @@
         </p:nvSpPr>
         <p:spPr>
           <a:xfrm>
-            <a:off x="4126871" y="330636"/>
-            <a:ext cx="3938258" cy="646331"/>
+            <a:off x="4696706" y="325727"/>
+            <a:ext cx="2798587" cy="646331"/>
           </a:xfrm>
           <a:prstGeom prst="rect">
             <a:avLst/>
@@ -4869,8 +4739,8 @@
           <a:lstStyle/>
           <a:p>
             <a:r>
-              <a:rPr lang="en-US" altLang="zh-CN" sz="3600" smtClean="0"/>
-              <a:t>Feature Engineering</a:t>
+              <a:rPr lang="en-US" sz="3600" dirty="0" smtClean="0"/>
+              <a:t>Preprocessing</a:t>
             </a:r>
             <a:endParaRPr lang="en-US" sz="3600" dirty="0"/>
           </a:p>
@@ -4886,19 +4756,126 @@
             <p:ph idx="1"/>
           </p:nvPr>
         </p:nvSpPr>
-        <p:spPr/>
+        <p:spPr>
+          <a:xfrm>
+            <a:off x="838199" y="1438167"/>
+            <a:ext cx="10515600" cy="4351338"/>
+          </a:xfrm>
+        </p:spPr>
         <p:txBody>
           <a:bodyPr/>
           <a:lstStyle/>
           <a:p>
+            <a:r>
+              <a:rPr lang="en-US" dirty="0" smtClean="0"/>
+              <a:t>Handle inconsistent doc length in training and </a:t>
+            </a:r>
+            <a:r>
+              <a:rPr lang="en-US" dirty="0" err="1" smtClean="0"/>
+              <a:t>dev</a:t>
+            </a:r>
+            <a:r>
+              <a:rPr lang="en-US" dirty="0" smtClean="0"/>
+              <a:t> set</a:t>
+            </a:r>
             <a:endParaRPr lang="en-US" dirty="0"/>
           </a:p>
         </p:txBody>
       </p:sp>
+      <p:pic>
+        <p:nvPicPr>
+          <p:cNvPr id="2" name="Picture 1"/>
+          <p:cNvPicPr>
+            <a:picLocks noChangeAspect="1"/>
+          </p:cNvPicPr>
+          <p:nvPr/>
+        </p:nvPicPr>
+        <p:blipFill>
+          <a:blip r:embed="rId4">
+            <a:extLst>
+              <a:ext uri="{28A0092B-C50C-407E-A947-70E740481C1C}">
+                <a14:useLocalDpi xmlns:a14="http://schemas.microsoft.com/office/drawing/2010/main" val="0"/>
+              </a:ext>
+            </a:extLst>
+          </a:blip>
+          <a:stretch>
+            <a:fillRect/>
+          </a:stretch>
+        </p:blipFill>
+        <p:spPr>
+          <a:xfrm>
+            <a:off x="305304" y="2402238"/>
+            <a:ext cx="4034725" cy="3026044"/>
+          </a:xfrm>
+          <a:prstGeom prst="rect">
+            <a:avLst/>
+          </a:prstGeom>
+        </p:spPr>
+      </p:pic>
+      <p:pic>
+        <p:nvPicPr>
+          <p:cNvPr id="3" name="Picture 2"/>
+          <p:cNvPicPr>
+            <a:picLocks noChangeAspect="1"/>
+          </p:cNvPicPr>
+          <p:nvPr/>
+        </p:nvPicPr>
+        <p:blipFill>
+          <a:blip r:embed="rId5">
+            <a:extLst>
+              <a:ext uri="{28A0092B-C50C-407E-A947-70E740481C1C}">
+                <a14:useLocalDpi xmlns:a14="http://schemas.microsoft.com/office/drawing/2010/main" val="0"/>
+              </a:ext>
+            </a:extLst>
+          </a:blip>
+          <a:stretch>
+            <a:fillRect/>
+          </a:stretch>
+        </p:blipFill>
+        <p:spPr>
+          <a:xfrm>
+            <a:off x="3930363" y="2390614"/>
+            <a:ext cx="4070888" cy="3053166"/>
+          </a:xfrm>
+          <a:prstGeom prst="rect">
+            <a:avLst/>
+          </a:prstGeom>
+        </p:spPr>
+      </p:pic>
+      <p:pic>
+        <p:nvPicPr>
+          <p:cNvPr id="4" name="Picture 3"/>
+          <p:cNvPicPr>
+            <a:picLocks noChangeAspect="1"/>
+          </p:cNvPicPr>
+          <p:nvPr/>
+        </p:nvPicPr>
+        <p:blipFill>
+          <a:blip r:embed="rId6">
+            <a:extLst>
+              <a:ext uri="{28A0092B-C50C-407E-A947-70E740481C1C}">
+                <a14:useLocalDpi xmlns:a14="http://schemas.microsoft.com/office/drawing/2010/main" val="0"/>
+              </a:ext>
+            </a:extLst>
+          </a:blip>
+          <a:stretch>
+            <a:fillRect/>
+          </a:stretch>
+        </p:blipFill>
+        <p:spPr>
+          <a:xfrm>
+            <a:off x="7851969" y="2404175"/>
+            <a:ext cx="4070888" cy="3053166"/>
+          </a:xfrm>
+          <a:prstGeom prst="rect">
+            <a:avLst/>
+          </a:prstGeom>
+        </p:spPr>
+      </p:pic>
     </p:spTree>
     <p:extLst>
       <p:ext uri="{BB962C8B-B14F-4D97-AF65-F5344CB8AC3E}">
-        <p14:creationId xmlns:p14="http://schemas.microsoft.com/office/powerpoint/2010/main" val="1852953333"/>
+        <p14:creationId xmlns:p14="http://schemas.microsoft.com/office/powerpoint/2010/main" val="396969502"/>
       </p:ext>
     </p:extLst>
   </p:cSld>
@@ -4941,7 +4918,7 @@
           <p:nvPr/>
         </p:nvPicPr>
         <p:blipFill>
-          <a:blip r:embed="rId3">
+          <a:blip r:embed="rId2">
             <a:extLst/>
           </a:blip>
           <a:stretch>
@@ -5004,8 +4981,8 @@
         </p:nvSpPr>
         <p:spPr>
           <a:xfrm>
-            <a:off x="4696706" y="325727"/>
-            <a:ext cx="2798587" cy="646331"/>
+            <a:off x="3967981" y="325727"/>
+            <a:ext cx="4256037" cy="646331"/>
           </a:xfrm>
           <a:prstGeom prst="rect">
             <a:avLst/>
@@ -5020,142 +4997,264 @@
           <a:p>
             <a:r>
               <a:rPr lang="en-US" sz="3600" dirty="0" smtClean="0"/>
-              <a:t>Preprocessing</a:t>
+              <a:t>Choose </a:t>
+            </a:r>
+            <a:r>
+              <a:rPr lang="en-US" sz="3600" smtClean="0"/>
+              <a:t>your classifier</a:t>
             </a:r>
             <a:endParaRPr lang="en-US" sz="3600" dirty="0"/>
           </a:p>
         </p:txBody>
       </p:sp>
-      <p:sp>
-        <p:nvSpPr>
-          <p:cNvPr id="11" name="Content Placeholder 10"/>
-          <p:cNvSpPr>
-            <a:spLocks noGrp="1"/>
-          </p:cNvSpPr>
-          <p:nvPr>
-            <p:ph idx="1"/>
-          </p:nvPr>
-        </p:nvSpPr>
-        <p:spPr>
-          <a:xfrm>
-            <a:off x="838199" y="1438167"/>
-            <a:ext cx="10515600" cy="4351338"/>
-          </a:xfrm>
-        </p:spPr>
-        <p:txBody>
-          <a:bodyPr/>
-          <a:lstStyle/>
-          <a:p>
-            <a:r>
-              <a:rPr lang="en-US" dirty="0" smtClean="0"/>
-              <a:t>Handle inconsistent doc length in training and </a:t>
-            </a:r>
-            <a:r>
-              <a:rPr lang="en-US" dirty="0" err="1" smtClean="0"/>
-              <a:t>dev</a:t>
-            </a:r>
-            <a:r>
-              <a:rPr lang="en-US" dirty="0" smtClean="0"/>
-              <a:t> set</a:t>
-            </a:r>
-            <a:endParaRPr lang="en-US" dirty="0"/>
-          </a:p>
-        </p:txBody>
-      </p:sp>
-      <p:pic>
-        <p:nvPicPr>
-          <p:cNvPr id="2" name="Picture 1"/>
-          <p:cNvPicPr>
-            <a:picLocks noChangeAspect="1"/>
-          </p:cNvPicPr>
+      <p:cxnSp>
+        <p:nvCxnSpPr>
+          <p:cNvPr id="3" name="Straight Arrow Connector 2"/>
+          <p:cNvCxnSpPr/>
           <p:nvPr/>
-        </p:nvPicPr>
-        <p:blipFill>
-          <a:blip r:embed="rId4">
-            <a:extLst>
-              <a:ext uri="{28A0092B-C50C-407E-A947-70E740481C1C}">
-                <a14:useLocalDpi xmlns:a14="http://schemas.microsoft.com/office/drawing/2010/main" val="0"/>
-              </a:ext>
-            </a:extLst>
-          </a:blip>
-          <a:stretch>
-            <a:fillRect/>
-          </a:stretch>
-        </p:blipFill>
-        <p:spPr>
-          <a:xfrm>
-            <a:off x="305304" y="2402238"/>
-            <a:ext cx="4034725" cy="3026044"/>
+        </p:nvCxnSpPr>
+        <p:spPr>
+          <a:xfrm>
+            <a:off x="2430966" y="5579390"/>
+            <a:ext cx="6961007" cy="0"/>
+          </a:xfrm>
+          <a:prstGeom prst="straightConnector1">
+            <a:avLst/>
+          </a:prstGeom>
+          <a:ln w="76200">
+            <a:tailEnd type="triangle"/>
+          </a:ln>
+        </p:spPr>
+        <p:style>
+          <a:lnRef idx="1">
+            <a:schemeClr val="accent1"/>
+          </a:lnRef>
+          <a:fillRef idx="0">
+            <a:schemeClr val="accent1"/>
+          </a:fillRef>
+          <a:effectRef idx="0">
+            <a:schemeClr val="accent1"/>
+          </a:effectRef>
+          <a:fontRef idx="minor">
+            <a:schemeClr val="tx1"/>
+          </a:fontRef>
+        </p:style>
+      </p:cxnSp>
+      <p:cxnSp>
+        <p:nvCxnSpPr>
+          <p:cNvPr id="6" name="Straight Arrow Connector 5"/>
+          <p:cNvCxnSpPr/>
+          <p:nvPr/>
+        </p:nvCxnSpPr>
+        <p:spPr>
+          <a:xfrm flipV="1">
+            <a:off x="2430966" y="1844298"/>
+            <a:ext cx="0" cy="3735092"/>
+          </a:xfrm>
+          <a:prstGeom prst="straightConnector1">
+            <a:avLst/>
+          </a:prstGeom>
+          <a:ln w="76200">
+            <a:tailEnd type="triangle"/>
+          </a:ln>
+        </p:spPr>
+        <p:style>
+          <a:lnRef idx="1">
+            <a:schemeClr val="accent1"/>
+          </a:lnRef>
+          <a:fillRef idx="0">
+            <a:schemeClr val="accent1"/>
+          </a:fillRef>
+          <a:effectRef idx="0">
+            <a:schemeClr val="accent1"/>
+          </a:effectRef>
+          <a:fontRef idx="minor">
+            <a:schemeClr val="tx1"/>
+          </a:fontRef>
+        </p:style>
+      </p:cxnSp>
+      <p:sp>
+        <p:nvSpPr>
+          <p:cNvPr id="10" name="TextBox 9"/>
+          <p:cNvSpPr txBox="1"/>
+          <p:nvPr/>
+        </p:nvSpPr>
+        <p:spPr>
+          <a:xfrm>
+            <a:off x="867905" y="1844298"/>
+            <a:ext cx="1302216" cy="461665"/>
           </a:xfrm>
           <a:prstGeom prst="rect">
             <a:avLst/>
           </a:prstGeom>
-        </p:spPr>
-      </p:pic>
-      <p:pic>
-        <p:nvPicPr>
-          <p:cNvPr id="3" name="Picture 2"/>
-          <p:cNvPicPr>
-            <a:picLocks noChangeAspect="1"/>
-          </p:cNvPicPr>
+          <a:noFill/>
+        </p:spPr>
+        <p:txBody>
+          <a:bodyPr wrap="none" rtlCol="0">
+            <a:spAutoFit/>
+          </a:bodyPr>
+          <a:lstStyle/>
+          <a:p>
+            <a:r>
+              <a:rPr lang="en-US" sz="2400" dirty="0" smtClean="0"/>
+              <a:t>Accuracy</a:t>
+            </a:r>
+            <a:endParaRPr lang="en-US" sz="2400" dirty="0"/>
+          </a:p>
+        </p:txBody>
+      </p:sp>
+      <p:sp>
+        <p:nvSpPr>
+          <p:cNvPr id="12" name="TextBox 11"/>
+          <p:cNvSpPr txBox="1"/>
           <p:nvPr/>
-        </p:nvPicPr>
-        <p:blipFill>
-          <a:blip r:embed="rId5">
-            <a:extLst>
-              <a:ext uri="{28A0092B-C50C-407E-A947-70E740481C1C}">
-                <a14:useLocalDpi xmlns:a14="http://schemas.microsoft.com/office/drawing/2010/main" val="0"/>
-              </a:ext>
-            </a:extLst>
-          </a:blip>
-          <a:stretch>
-            <a:fillRect/>
-          </a:stretch>
-        </p:blipFill>
-        <p:spPr>
-          <a:xfrm>
-            <a:off x="3930363" y="2390614"/>
-            <a:ext cx="4070888" cy="3053166"/>
+        </p:nvSpPr>
+        <p:spPr>
+          <a:xfrm>
+            <a:off x="8089757" y="5824779"/>
+            <a:ext cx="1368195" cy="461665"/>
           </a:xfrm>
           <a:prstGeom prst="rect">
             <a:avLst/>
           </a:prstGeom>
-        </p:spPr>
-      </p:pic>
-      <p:pic>
-        <p:nvPicPr>
-          <p:cNvPr id="4" name="Picture 3"/>
-          <p:cNvPicPr>
-            <a:picLocks noChangeAspect="1"/>
-          </p:cNvPicPr>
+          <a:noFill/>
+        </p:spPr>
+        <p:txBody>
+          <a:bodyPr wrap="none" rtlCol="0">
+            <a:spAutoFit/>
+          </a:bodyPr>
+          <a:lstStyle/>
+          <a:p>
+            <a:r>
+              <a:rPr lang="en-US" sz="2400" dirty="0" smtClean="0"/>
+              <a:t>Efficiency</a:t>
+            </a:r>
+          </a:p>
+        </p:txBody>
+      </p:sp>
+      <p:sp>
+        <p:nvSpPr>
+          <p:cNvPr id="13" name="TextBox 12"/>
+          <p:cNvSpPr txBox="1"/>
           <p:nvPr/>
-        </p:nvPicPr>
-        <p:blipFill>
-          <a:blip r:embed="rId6">
-            <a:extLst>
-              <a:ext uri="{28A0092B-C50C-407E-A947-70E740481C1C}">
-                <a14:useLocalDpi xmlns:a14="http://schemas.microsoft.com/office/drawing/2010/main" val="0"/>
-              </a:ext>
-            </a:extLst>
-          </a:blip>
-          <a:stretch>
-            <a:fillRect/>
-          </a:stretch>
-        </p:blipFill>
-        <p:spPr>
-          <a:xfrm>
-            <a:off x="7851969" y="2404175"/>
-            <a:ext cx="4070888" cy="3053166"/>
+        </p:nvSpPr>
+        <p:spPr>
+          <a:xfrm>
+            <a:off x="3093950" y="3527178"/>
+            <a:ext cx="617670" cy="369332"/>
           </a:xfrm>
           <a:prstGeom prst="rect">
             <a:avLst/>
           </a:prstGeom>
-        </p:spPr>
-      </p:pic>
+          <a:noFill/>
+        </p:spPr>
+        <p:txBody>
+          <a:bodyPr wrap="none" rtlCol="0">
+            <a:spAutoFit/>
+          </a:bodyPr>
+          <a:lstStyle/>
+          <a:p>
+            <a:r>
+              <a:rPr lang="en-US" dirty="0" smtClean="0"/>
+              <a:t>SVM</a:t>
+            </a:r>
+            <a:endParaRPr lang="en-US" dirty="0"/>
+          </a:p>
+        </p:txBody>
+      </p:sp>
+      <p:sp>
+        <p:nvSpPr>
+          <p:cNvPr id="14" name="TextBox 13"/>
+          <p:cNvSpPr txBox="1"/>
+          <p:nvPr/>
+        </p:nvSpPr>
+        <p:spPr>
+          <a:xfrm>
+            <a:off x="6658533" y="3711844"/>
+            <a:ext cx="603050" cy="369332"/>
+          </a:xfrm>
+          <a:prstGeom prst="rect">
+            <a:avLst/>
+          </a:prstGeom>
+          <a:noFill/>
+        </p:spPr>
+        <p:txBody>
+          <a:bodyPr wrap="none" rtlCol="0">
+            <a:spAutoFit/>
+          </a:bodyPr>
+          <a:lstStyle/>
+          <a:p>
+            <a:r>
+              <a:rPr lang="en-US" dirty="0" smtClean="0"/>
+              <a:t>KNN</a:t>
+            </a:r>
+            <a:endParaRPr lang="en-US" dirty="0"/>
+          </a:p>
+        </p:txBody>
+      </p:sp>
+      <p:sp>
+        <p:nvSpPr>
+          <p:cNvPr id="15" name="TextBox 14"/>
+          <p:cNvSpPr txBox="1"/>
+          <p:nvPr/>
+        </p:nvSpPr>
+        <p:spPr>
+          <a:xfrm>
+            <a:off x="5765810" y="3793100"/>
+            <a:ext cx="407484" cy="369332"/>
+          </a:xfrm>
+          <a:prstGeom prst="rect">
+            <a:avLst/>
+          </a:prstGeom>
+          <a:noFill/>
+        </p:spPr>
+        <p:txBody>
+          <a:bodyPr wrap="none" rtlCol="0">
+            <a:spAutoFit/>
+          </a:bodyPr>
+          <a:lstStyle/>
+          <a:p>
+            <a:r>
+              <a:rPr lang="en-US" dirty="0" smtClean="0"/>
+              <a:t>LR</a:t>
+            </a:r>
+          </a:p>
+        </p:txBody>
+      </p:sp>
+      <p:sp>
+        <p:nvSpPr>
+          <p:cNvPr id="16" name="TextBox 15"/>
+          <p:cNvSpPr txBox="1"/>
+          <p:nvPr/>
+        </p:nvSpPr>
+        <p:spPr>
+          <a:xfrm>
+            <a:off x="6017428" y="2777812"/>
+            <a:ext cx="942630" cy="369332"/>
+          </a:xfrm>
+          <a:prstGeom prst="rect">
+            <a:avLst/>
+          </a:prstGeom>
+          <a:noFill/>
+        </p:spPr>
+        <p:txBody>
+          <a:bodyPr wrap="none" rtlCol="0">
+            <a:spAutoFit/>
+          </a:bodyPr>
+          <a:lstStyle/>
+          <a:p>
+            <a:r>
+              <a:rPr lang="en-US" dirty="0" err="1" smtClean="0"/>
+              <a:t>Xgboost</a:t>
+            </a:r>
+            <a:endParaRPr lang="en-US" dirty="0" smtClean="0"/>
+          </a:p>
+        </p:txBody>
+      </p:sp>
     </p:spTree>
     <p:extLst>
       <p:ext uri="{BB962C8B-B14F-4D97-AF65-F5344CB8AC3E}">
-        <p14:creationId xmlns:p14="http://schemas.microsoft.com/office/powerpoint/2010/main" val="396969502"/>
+        <p14:creationId xmlns:p14="http://schemas.microsoft.com/office/powerpoint/2010/main" val="314697543"/>
       </p:ext>
     </p:extLst>
   </p:cSld>
@@ -5509,8 +5608,8 @@
         </p:nvSpPr>
         <p:spPr>
           <a:xfrm>
-            <a:off x="6017428" y="2777812"/>
-            <a:ext cx="942630" cy="369332"/>
+            <a:off x="5728535" y="2587864"/>
+            <a:ext cx="1533048" cy="584775"/>
           </a:xfrm>
           <a:prstGeom prst="rect">
             <a:avLst/>
@@ -5524,17 +5623,25 @@
           <a:lstStyle/>
           <a:p>
             <a:r>
-              <a:rPr lang="en-US" dirty="0" err="1" smtClean="0"/>
+              <a:rPr lang="en-US" sz="3200" dirty="0" err="1" smtClean="0">
+                <a:solidFill>
+                  <a:srgbClr val="C00000"/>
+                </a:solidFill>
+              </a:rPr>
               <a:t>Xgboost</a:t>
             </a:r>
-            <a:endParaRPr lang="en-US" dirty="0" smtClean="0"/>
+            <a:endParaRPr lang="en-US" sz="3200" dirty="0" smtClean="0">
+              <a:solidFill>
+                <a:srgbClr val="C00000"/>
+              </a:solidFill>
+            </a:endParaRPr>
           </a:p>
         </p:txBody>
       </p:sp>
     </p:spTree>
     <p:extLst>
       <p:ext uri="{BB962C8B-B14F-4D97-AF65-F5344CB8AC3E}">
-        <p14:creationId xmlns:p14="http://schemas.microsoft.com/office/powerpoint/2010/main" val="314697543"/>
+        <p14:creationId xmlns:p14="http://schemas.microsoft.com/office/powerpoint/2010/main" val="144257338"/>
       </p:ext>
     </p:extLst>
   </p:cSld>
@@ -5640,8 +5747,8 @@
         </p:nvSpPr>
         <p:spPr>
           <a:xfrm>
-            <a:off x="3967981" y="325727"/>
-            <a:ext cx="4256037" cy="646331"/>
+            <a:off x="5335920" y="325727"/>
+            <a:ext cx="1520160" cy="646331"/>
           </a:xfrm>
           <a:prstGeom prst="rect">
             <a:avLst/>
@@ -5655,273 +5762,35 @@
           <a:lstStyle/>
           <a:p>
             <a:r>
-              <a:rPr lang="en-US" sz="3600" dirty="0" smtClean="0"/>
-              <a:t>Choose </a:t>
-            </a:r>
-            <a:r>
               <a:rPr lang="en-US" sz="3600" smtClean="0"/>
-              <a:t>your classifier</a:t>
-            </a:r>
-            <a:endParaRPr lang="en-US" sz="3600" dirty="0"/>
-          </a:p>
-        </p:txBody>
-      </p:sp>
-      <p:cxnSp>
-        <p:nvCxnSpPr>
-          <p:cNvPr id="3" name="Straight Arrow Connector 2"/>
-          <p:cNvCxnSpPr/>
-          <p:nvPr/>
-        </p:nvCxnSpPr>
-        <p:spPr>
-          <a:xfrm>
-            <a:off x="2430966" y="5579390"/>
-            <a:ext cx="6961007" cy="0"/>
-          </a:xfrm>
-          <a:prstGeom prst="straightConnector1">
-            <a:avLst/>
-          </a:prstGeom>
-          <a:ln w="76200">
-            <a:tailEnd type="triangle"/>
-          </a:ln>
-        </p:spPr>
-        <p:style>
-          <a:lnRef idx="1">
-            <a:schemeClr val="accent1"/>
-          </a:lnRef>
-          <a:fillRef idx="0">
-            <a:schemeClr val="accent1"/>
-          </a:fillRef>
-          <a:effectRef idx="0">
-            <a:schemeClr val="accent1"/>
-          </a:effectRef>
-          <a:fontRef idx="minor">
-            <a:schemeClr val="tx1"/>
-          </a:fontRef>
-        </p:style>
-      </p:cxnSp>
-      <p:cxnSp>
-        <p:nvCxnSpPr>
-          <p:cNvPr id="6" name="Straight Arrow Connector 5"/>
-          <p:cNvCxnSpPr/>
-          <p:nvPr/>
-        </p:nvCxnSpPr>
-        <p:spPr>
-          <a:xfrm flipV="1">
-            <a:off x="2430966" y="1844298"/>
-            <a:ext cx="0" cy="3735092"/>
-          </a:xfrm>
-          <a:prstGeom prst="straightConnector1">
-            <a:avLst/>
-          </a:prstGeom>
-          <a:ln w="76200">
-            <a:tailEnd type="triangle"/>
-          </a:ln>
-        </p:spPr>
-        <p:style>
-          <a:lnRef idx="1">
-            <a:schemeClr val="accent1"/>
-          </a:lnRef>
-          <a:fillRef idx="0">
-            <a:schemeClr val="accent1"/>
-          </a:fillRef>
-          <a:effectRef idx="0">
-            <a:schemeClr val="accent1"/>
-          </a:effectRef>
-          <a:fontRef idx="minor">
-            <a:schemeClr val="tx1"/>
-          </a:fontRef>
-        </p:style>
-      </p:cxnSp>
-      <p:sp>
-        <p:nvSpPr>
-          <p:cNvPr id="10" name="TextBox 9"/>
-          <p:cNvSpPr txBox="1"/>
-          <p:nvPr/>
-        </p:nvSpPr>
-        <p:spPr>
-          <a:xfrm>
-            <a:off x="867905" y="1844298"/>
-            <a:ext cx="1302216" cy="461665"/>
-          </a:xfrm>
-          <a:prstGeom prst="rect">
-            <a:avLst/>
-          </a:prstGeom>
-          <a:noFill/>
-        </p:spPr>
-        <p:txBody>
-          <a:bodyPr wrap="none" rtlCol="0">
-            <a:spAutoFit/>
-          </a:bodyPr>
-          <a:lstStyle/>
-          <a:p>
-            <a:r>
-              <a:rPr lang="en-US" sz="2400" dirty="0" smtClean="0"/>
-              <a:t>Accuracy</a:t>
-            </a:r>
-            <a:endParaRPr lang="en-US" sz="2400" dirty="0"/>
-          </a:p>
-        </p:txBody>
-      </p:sp>
-      <p:sp>
-        <p:nvSpPr>
-          <p:cNvPr id="12" name="TextBox 11"/>
-          <p:cNvSpPr txBox="1"/>
-          <p:nvPr/>
-        </p:nvSpPr>
-        <p:spPr>
-          <a:xfrm>
-            <a:off x="8089757" y="5824779"/>
-            <a:ext cx="1368195" cy="461665"/>
-          </a:xfrm>
-          <a:prstGeom prst="rect">
-            <a:avLst/>
-          </a:prstGeom>
-          <a:noFill/>
-        </p:spPr>
-        <p:txBody>
-          <a:bodyPr wrap="none" rtlCol="0">
-            <a:spAutoFit/>
-          </a:bodyPr>
-          <a:lstStyle/>
-          <a:p>
-            <a:r>
-              <a:rPr lang="en-US" sz="2400" dirty="0" smtClean="0"/>
-              <a:t>Efficiency</a:t>
-            </a:r>
-          </a:p>
-        </p:txBody>
-      </p:sp>
-      <p:sp>
-        <p:nvSpPr>
-          <p:cNvPr id="13" name="TextBox 12"/>
-          <p:cNvSpPr txBox="1"/>
-          <p:nvPr/>
-        </p:nvSpPr>
-        <p:spPr>
-          <a:xfrm>
-            <a:off x="3093950" y="3527178"/>
-            <a:ext cx="617670" cy="369332"/>
-          </a:xfrm>
-          <a:prstGeom prst="rect">
-            <a:avLst/>
-          </a:prstGeom>
-          <a:noFill/>
-        </p:spPr>
-        <p:txBody>
-          <a:bodyPr wrap="none" rtlCol="0">
-            <a:spAutoFit/>
-          </a:bodyPr>
-          <a:lstStyle/>
-          <a:p>
-            <a:r>
-              <a:rPr lang="en-US" dirty="0" smtClean="0"/>
-              <a:t>SVM</a:t>
-            </a:r>
+              <a:t>Results</a:t>
+            </a:r>
+          </a:p>
+        </p:txBody>
+      </p:sp>
+      <p:sp>
+        <p:nvSpPr>
+          <p:cNvPr id="11" name="Content Placeholder 10"/>
+          <p:cNvSpPr>
+            <a:spLocks noGrp="1"/>
+          </p:cNvSpPr>
+          <p:nvPr>
+            <p:ph idx="1"/>
+          </p:nvPr>
+        </p:nvSpPr>
+        <p:spPr/>
+        <p:txBody>
+          <a:bodyPr/>
+          <a:lstStyle/>
+          <a:p>
             <a:endParaRPr lang="en-US" dirty="0"/>
-          </a:p>
-        </p:txBody>
-      </p:sp>
-      <p:sp>
-        <p:nvSpPr>
-          <p:cNvPr id="14" name="TextBox 13"/>
-          <p:cNvSpPr txBox="1"/>
-          <p:nvPr/>
-        </p:nvSpPr>
-        <p:spPr>
-          <a:xfrm>
-            <a:off x="6658533" y="3711844"/>
-            <a:ext cx="603050" cy="369332"/>
-          </a:xfrm>
-          <a:prstGeom prst="rect">
-            <a:avLst/>
-          </a:prstGeom>
-          <a:noFill/>
-        </p:spPr>
-        <p:txBody>
-          <a:bodyPr wrap="none" rtlCol="0">
-            <a:spAutoFit/>
-          </a:bodyPr>
-          <a:lstStyle/>
-          <a:p>
-            <a:r>
-              <a:rPr lang="en-US" dirty="0" smtClean="0"/>
-              <a:t>KNN</a:t>
-            </a:r>
-            <a:endParaRPr lang="en-US" dirty="0"/>
-          </a:p>
-        </p:txBody>
-      </p:sp>
-      <p:sp>
-        <p:nvSpPr>
-          <p:cNvPr id="15" name="TextBox 14"/>
-          <p:cNvSpPr txBox="1"/>
-          <p:nvPr/>
-        </p:nvSpPr>
-        <p:spPr>
-          <a:xfrm>
-            <a:off x="5765810" y="3793100"/>
-            <a:ext cx="407484" cy="369332"/>
-          </a:xfrm>
-          <a:prstGeom prst="rect">
-            <a:avLst/>
-          </a:prstGeom>
-          <a:noFill/>
-        </p:spPr>
-        <p:txBody>
-          <a:bodyPr wrap="none" rtlCol="0">
-            <a:spAutoFit/>
-          </a:bodyPr>
-          <a:lstStyle/>
-          <a:p>
-            <a:r>
-              <a:rPr lang="en-US" dirty="0" smtClean="0"/>
-              <a:t>LR</a:t>
-            </a:r>
-          </a:p>
-        </p:txBody>
-      </p:sp>
-      <p:sp>
-        <p:nvSpPr>
-          <p:cNvPr id="16" name="TextBox 15"/>
-          <p:cNvSpPr txBox="1"/>
-          <p:nvPr/>
-        </p:nvSpPr>
-        <p:spPr>
-          <a:xfrm>
-            <a:off x="5728535" y="2587864"/>
-            <a:ext cx="1533048" cy="584775"/>
-          </a:xfrm>
-          <a:prstGeom prst="rect">
-            <a:avLst/>
-          </a:prstGeom>
-          <a:noFill/>
-        </p:spPr>
-        <p:txBody>
-          <a:bodyPr wrap="none" rtlCol="0">
-            <a:spAutoFit/>
-          </a:bodyPr>
-          <a:lstStyle/>
-          <a:p>
-            <a:r>
-              <a:rPr lang="en-US" sz="3200" dirty="0" err="1" smtClean="0">
-                <a:solidFill>
-                  <a:srgbClr val="C00000"/>
-                </a:solidFill>
-              </a:rPr>
-              <a:t>Xgboost</a:t>
-            </a:r>
-            <a:endParaRPr lang="en-US" sz="3200" dirty="0" smtClean="0">
-              <a:solidFill>
-                <a:srgbClr val="C00000"/>
-              </a:solidFill>
-            </a:endParaRPr>
           </a:p>
         </p:txBody>
       </p:sp>
     </p:spTree>
     <p:extLst>
       <p:ext uri="{BB962C8B-B14F-4D97-AF65-F5344CB8AC3E}">
-        <p14:creationId xmlns:p14="http://schemas.microsoft.com/office/powerpoint/2010/main" val="144257338"/>
+        <p14:creationId xmlns:p14="http://schemas.microsoft.com/office/powerpoint/2010/main" val="1572789813"/>
       </p:ext>
     </p:extLst>
   </p:cSld>
@@ -6027,8 +5896,8 @@
         </p:nvSpPr>
         <p:spPr>
           <a:xfrm>
-            <a:off x="5335920" y="325727"/>
-            <a:ext cx="1520160" cy="646331"/>
+            <a:off x="4988640" y="325727"/>
+            <a:ext cx="2233304" cy="646331"/>
           </a:xfrm>
           <a:prstGeom prst="rect">
             <a:avLst/>
@@ -6042,20 +5911,20 @@
           <a:lstStyle/>
           <a:p>
             <a:r>
-              <a:rPr lang="en-US" sz="3600" smtClean="0"/>
-              <a:t>Results</a:t>
-            </a:r>
-          </a:p>
-        </p:txBody>
-      </p:sp>
-      <p:sp>
-        <p:nvSpPr>
-          <p:cNvPr id="11" name="Content Placeholder 10"/>
-          <p:cNvSpPr>
-            <a:spLocks noGrp="1"/>
-          </p:cNvSpPr>
-          <p:nvPr>
-            <p:ph idx="1"/>
+              <a:rPr lang="en-US" sz="3600" dirty="0" smtClean="0"/>
+              <a:t>Conclusion</a:t>
+            </a:r>
+          </a:p>
+        </p:txBody>
+      </p:sp>
+      <p:sp>
+        <p:nvSpPr>
+          <p:cNvPr id="3" name="Content Placeholder 2"/>
+          <p:cNvSpPr>
+            <a:spLocks noGrp="1"/>
+          </p:cNvSpPr>
+          <p:nvPr>
+            <p:ph sz="half" idx="1"/>
           </p:nvPr>
         </p:nvSpPr>
         <p:spPr/>
@@ -6063,14 +5932,106 @@
           <a:bodyPr/>
           <a:lstStyle/>
           <a:p>
+            <a:endParaRPr lang="en-US" dirty="0" smtClean="0"/>
+          </a:p>
+          <a:p>
+            <a:r>
+              <a:rPr lang="en-US" dirty="0" smtClean="0"/>
+              <a:t>XXX</a:t>
+            </a:r>
+          </a:p>
+        </p:txBody>
+      </p:sp>
+      <p:sp>
+        <p:nvSpPr>
+          <p:cNvPr id="4" name="Content Placeholder 3"/>
+          <p:cNvSpPr>
+            <a:spLocks noGrp="1"/>
+          </p:cNvSpPr>
+          <p:nvPr>
+            <p:ph sz="half" idx="2"/>
+          </p:nvPr>
+        </p:nvSpPr>
+        <p:spPr/>
+        <p:txBody>
+          <a:bodyPr/>
+          <a:lstStyle/>
+          <a:p>
+            <a:endParaRPr lang="en-US" dirty="0" smtClean="0"/>
+          </a:p>
+          <a:p>
+            <a:r>
+              <a:rPr lang="en-US" dirty="0" smtClean="0"/>
+              <a:t>YYY</a:t>
+            </a:r>
             <a:endParaRPr lang="en-US" dirty="0"/>
+          </a:p>
+        </p:txBody>
+      </p:sp>
+      <p:sp>
+        <p:nvSpPr>
+          <p:cNvPr id="6" name="TextBox 5"/>
+          <p:cNvSpPr txBox="1"/>
+          <p:nvPr/>
+        </p:nvSpPr>
+        <p:spPr>
+          <a:xfrm>
+            <a:off x="2644811" y="1302405"/>
+            <a:ext cx="1568378" cy="523220"/>
+          </a:xfrm>
+          <a:prstGeom prst="rect">
+            <a:avLst/>
+          </a:prstGeom>
+          <a:noFill/>
+        </p:spPr>
+        <p:txBody>
+          <a:bodyPr wrap="none" rtlCol="0">
+            <a:spAutoFit/>
+          </a:bodyPr>
+          <a:lstStyle/>
+          <a:p>
+            <a:r>
+              <a:rPr lang="en-US" sz="2800" dirty="0" smtClean="0"/>
+              <a:t>Language</a:t>
+            </a:r>
+            <a:endParaRPr lang="en-US" sz="2800" dirty="0"/>
+          </a:p>
+        </p:txBody>
+      </p:sp>
+      <p:sp>
+        <p:nvSpPr>
+          <p:cNvPr id="10" name="TextBox 9"/>
+          <p:cNvSpPr txBox="1"/>
+          <p:nvPr/>
+        </p:nvSpPr>
+        <p:spPr>
+          <a:xfrm>
+            <a:off x="7978811" y="1295516"/>
+            <a:ext cx="1468415" cy="523220"/>
+          </a:xfrm>
+          <a:prstGeom prst="rect">
+            <a:avLst/>
+          </a:prstGeom>
+          <a:noFill/>
+        </p:spPr>
+        <p:txBody>
+          <a:bodyPr wrap="none" rtlCol="0">
+            <a:spAutoFit/>
+          </a:bodyPr>
+          <a:lstStyle/>
+          <a:p>
+            <a:r>
+              <a:rPr lang="en-US" sz="2800" dirty="0" smtClean="0"/>
+              <a:t>Statistics</a:t>
+            </a:r>
+            <a:endParaRPr lang="en-US" sz="2800" dirty="0"/>
           </a:p>
         </p:txBody>
       </p:sp>
     </p:spTree>
     <p:extLst>
       <p:ext uri="{BB962C8B-B14F-4D97-AF65-F5344CB8AC3E}">
-        <p14:creationId xmlns:p14="http://schemas.microsoft.com/office/powerpoint/2010/main" val="1572789813"/>
+        <p14:creationId xmlns:p14="http://schemas.microsoft.com/office/powerpoint/2010/main" val="2113882073"/>
       </p:ext>
     </p:extLst>
   </p:cSld>

--- a/slides/Presentation1.pptx
+++ b/slides/Presentation1.pptx
@@ -5,19 +5,21 @@
     <p:sldMasterId id="2147483648" r:id="rId1"/>
   </p:sldMasterIdLst>
   <p:notesMasterIdLst>
-    <p:notesMasterId r:id="rId12"/>
+    <p:notesMasterId r:id="rId14"/>
   </p:notesMasterIdLst>
   <p:sldIdLst>
     <p:sldId id="256" r:id="rId2"/>
     <p:sldId id="257" r:id="rId3"/>
-    <p:sldId id="258" r:id="rId4"/>
-    <p:sldId id="259" r:id="rId5"/>
-    <p:sldId id="261" r:id="rId6"/>
-    <p:sldId id="262" r:id="rId7"/>
-    <p:sldId id="264" r:id="rId8"/>
-    <p:sldId id="265" r:id="rId9"/>
-    <p:sldId id="266" r:id="rId10"/>
-    <p:sldId id="260" r:id="rId11"/>
+    <p:sldId id="268" r:id="rId4"/>
+    <p:sldId id="267" r:id="rId5"/>
+    <p:sldId id="258" r:id="rId6"/>
+    <p:sldId id="259" r:id="rId7"/>
+    <p:sldId id="261" r:id="rId8"/>
+    <p:sldId id="262" r:id="rId9"/>
+    <p:sldId id="264" r:id="rId10"/>
+    <p:sldId id="265" r:id="rId11"/>
+    <p:sldId id="266" r:id="rId12"/>
+    <p:sldId id="260" r:id="rId13"/>
   </p:sldIdLst>
   <p:sldSz cx="12192000" cy="6858000"/>
   <p:notesSz cx="6858000" cy="9144000"/>
@@ -569,7 +571,7 @@
           <a:p>
             <a:fld id="{5BC00873-E4B2-234E-885F-727CE183BB53}" type="slidenum">
               <a:rPr lang="en-US" smtClean="0"/>
-              <a:t>5</a:t>
+              <a:t>7</a:t>
             </a:fld>
             <a:endParaRPr lang="en-US"/>
           </a:p>
@@ -3673,6 +3675,1022 @@
       </p:cxnSp>
       <p:sp>
         <p:nvSpPr>
+          <p:cNvPr id="9" name="TextBox 8"/>
+          <p:cNvSpPr txBox="1"/>
+          <p:nvPr/>
+        </p:nvSpPr>
+        <p:spPr>
+          <a:xfrm>
+            <a:off x="5335920" y="325727"/>
+            <a:ext cx="1520160" cy="646331"/>
+          </a:xfrm>
+          <a:prstGeom prst="rect">
+            <a:avLst/>
+          </a:prstGeom>
+          <a:noFill/>
+        </p:spPr>
+        <p:txBody>
+          <a:bodyPr wrap="none" rtlCol="0">
+            <a:spAutoFit/>
+          </a:bodyPr>
+          <a:lstStyle/>
+          <a:p>
+            <a:r>
+              <a:rPr lang="en-US" sz="3600" smtClean="0"/>
+              <a:t>Results</a:t>
+            </a:r>
+          </a:p>
+        </p:txBody>
+      </p:sp>
+      <p:graphicFrame>
+        <p:nvGraphicFramePr>
+          <p:cNvPr id="2" name="Table 1"/>
+          <p:cNvGraphicFramePr>
+            <a:graphicFrameLocks noGrp="1"/>
+          </p:cNvGraphicFramePr>
+          <p:nvPr>
+            <p:extLst>
+              <p:ext uri="{D42A27DB-BD31-4B8C-83A1-F6EECF244321}">
+                <p14:modId xmlns:p14="http://schemas.microsoft.com/office/powerpoint/2010/main" val="1747707139"/>
+              </p:ext>
+            </p:extLst>
+          </p:nvPr>
+        </p:nvGraphicFramePr>
+        <p:xfrm>
+          <a:off x="1100378" y="1859797"/>
+          <a:ext cx="9515960" cy="3347635"/>
+        </p:xfrm>
+        <a:graphic>
+          <a:graphicData uri="http://schemas.openxmlformats.org/drawingml/2006/table">
+            <a:tbl>
+              <a:tblPr firstRow="1" bandRow="1">
+                <a:tableStyleId>{5C22544A-7EE6-4342-B048-85BDC9FD1C3A}</a:tableStyleId>
+              </a:tblPr>
+              <a:tblGrid>
+                <a:gridCol w="2378990"/>
+                <a:gridCol w="2378990"/>
+                <a:gridCol w="2378990"/>
+                <a:gridCol w="2378990"/>
+              </a:tblGrid>
+              <a:tr h="669527">
+                <a:tc>
+                  <a:txBody>
+                    <a:bodyPr/>
+                    <a:lstStyle/>
+                    <a:p>
+                      <a:pPr algn="ctr"/>
+                      <a:r>
+                        <a:rPr lang="en-US" sz="2400" dirty="0" smtClean="0"/>
+                        <a:t>Features</a:t>
+                      </a:r>
+                      <a:endParaRPr lang="en-US" sz="2400" dirty="0"/>
+                    </a:p>
+                  </a:txBody>
+                  <a:tcPr/>
+                </a:tc>
+                <a:tc>
+                  <a:txBody>
+                    <a:bodyPr/>
+                    <a:lstStyle/>
+                    <a:p>
+                      <a:pPr algn="ctr"/>
+                      <a:r>
+                        <a:rPr lang="en-US" sz="2400" dirty="0" smtClean="0"/>
+                        <a:t>Avg.</a:t>
+                      </a:r>
+                      <a:r>
+                        <a:rPr lang="en-US" sz="2400" baseline="0" dirty="0" smtClean="0"/>
+                        <a:t> cv Train</a:t>
+                      </a:r>
+                      <a:endParaRPr lang="en-US" sz="2400" dirty="0"/>
+                    </a:p>
+                  </a:txBody>
+                  <a:tcPr/>
+                </a:tc>
+                <a:tc>
+                  <a:txBody>
+                    <a:bodyPr/>
+                    <a:lstStyle/>
+                    <a:p>
+                      <a:pPr algn="ctr"/>
+                      <a:r>
+                        <a:rPr lang="en-US" sz="2400" dirty="0" smtClean="0"/>
+                        <a:t>Dev Accuracy</a:t>
+                      </a:r>
+                      <a:endParaRPr lang="en-US" sz="2400" dirty="0"/>
+                    </a:p>
+                  </a:txBody>
+                  <a:tcPr/>
+                </a:tc>
+                <a:tc>
+                  <a:txBody>
+                    <a:bodyPr/>
+                    <a:lstStyle/>
+                    <a:p>
+                      <a:pPr algn="ctr"/>
+                      <a:r>
+                        <a:rPr lang="en-US" sz="2400" dirty="0" smtClean="0"/>
+                        <a:t>Soft</a:t>
+                      </a:r>
+                      <a:r>
+                        <a:rPr lang="en-US" sz="2400" baseline="0" dirty="0" smtClean="0"/>
+                        <a:t> Score</a:t>
+                      </a:r>
+                      <a:endParaRPr lang="en-US" sz="2400" dirty="0"/>
+                    </a:p>
+                  </a:txBody>
+                  <a:tcPr/>
+                </a:tc>
+              </a:tr>
+              <a:tr h="669527">
+                <a:tc>
+                  <a:txBody>
+                    <a:bodyPr/>
+                    <a:lstStyle/>
+                    <a:p>
+                      <a:pPr algn="ctr"/>
+                      <a:r>
+                        <a:rPr lang="en-US" sz="2400" dirty="0" smtClean="0"/>
+                        <a:t>Semantic</a:t>
+                      </a:r>
+                      <a:endParaRPr lang="en-US" sz="2400" dirty="0"/>
+                    </a:p>
+                  </a:txBody>
+                  <a:tcPr/>
+                </a:tc>
+                <a:tc>
+                  <a:txBody>
+                    <a:bodyPr/>
+                    <a:lstStyle/>
+                    <a:p>
+                      <a:pPr algn="ctr"/>
+                      <a:r>
+                        <a:rPr lang="en-US" sz="2400" dirty="0" smtClean="0"/>
+                        <a:t>80.2</a:t>
+                      </a:r>
+                      <a:endParaRPr lang="en-US" sz="2400" dirty="0"/>
+                    </a:p>
+                  </a:txBody>
+                  <a:tcPr/>
+                </a:tc>
+                <a:tc>
+                  <a:txBody>
+                    <a:bodyPr/>
+                    <a:lstStyle/>
+                    <a:p>
+                      <a:pPr algn="ctr"/>
+                      <a:r>
+                        <a:rPr lang="en-US" sz="2400" dirty="0" smtClean="0"/>
+                        <a:t>80.0</a:t>
+                      </a:r>
+                      <a:endParaRPr lang="en-US" sz="2400" dirty="0"/>
+                    </a:p>
+                  </a:txBody>
+                  <a:tcPr/>
+                </a:tc>
+                <a:tc>
+                  <a:txBody>
+                    <a:bodyPr/>
+                    <a:lstStyle/>
+                    <a:p>
+                      <a:pPr algn="ctr"/>
+                      <a:r>
+                        <a:rPr lang="en-US" sz="2400" dirty="0" smtClean="0"/>
+                        <a:t>74.9</a:t>
+                      </a:r>
+                      <a:endParaRPr lang="en-US" sz="2400" dirty="0"/>
+                    </a:p>
+                  </a:txBody>
+                  <a:tcPr/>
+                </a:tc>
+              </a:tr>
+              <a:tr h="669527">
+                <a:tc>
+                  <a:txBody>
+                    <a:bodyPr/>
+                    <a:lstStyle/>
+                    <a:p>
+                      <a:pPr algn="ctr"/>
+                      <a:r>
+                        <a:rPr lang="en-US" sz="2400" dirty="0" smtClean="0"/>
+                        <a:t>Syntactic</a:t>
+                      </a:r>
+                      <a:endParaRPr lang="en-US" sz="2400" dirty="0"/>
+                    </a:p>
+                  </a:txBody>
+                  <a:tcPr/>
+                </a:tc>
+                <a:tc>
+                  <a:txBody>
+                    <a:bodyPr/>
+                    <a:lstStyle/>
+                    <a:p>
+                      <a:pPr algn="ctr"/>
+                      <a:r>
+                        <a:rPr lang="en-US" sz="2400" dirty="0" smtClean="0"/>
+                        <a:t>52.3</a:t>
+                      </a:r>
+                      <a:endParaRPr lang="en-US" sz="2400" dirty="0"/>
+                    </a:p>
+                  </a:txBody>
+                  <a:tcPr/>
+                </a:tc>
+                <a:tc>
+                  <a:txBody>
+                    <a:bodyPr/>
+                    <a:lstStyle/>
+                    <a:p>
+                      <a:pPr algn="ctr"/>
+                      <a:endParaRPr lang="en-US" sz="2400"/>
+                    </a:p>
+                  </a:txBody>
+                  <a:tcPr/>
+                </a:tc>
+                <a:tc>
+                  <a:txBody>
+                    <a:bodyPr/>
+                    <a:lstStyle/>
+                    <a:p>
+                      <a:pPr algn="ctr"/>
+                      <a:endParaRPr lang="en-US" sz="2400"/>
+                    </a:p>
+                  </a:txBody>
+                  <a:tcPr/>
+                </a:tc>
+              </a:tr>
+              <a:tr h="669527">
+                <a:tc>
+                  <a:txBody>
+                    <a:bodyPr/>
+                    <a:lstStyle/>
+                    <a:p>
+                      <a:pPr algn="ctr"/>
+                      <a:r>
+                        <a:rPr lang="en-US" sz="2400" dirty="0" smtClean="0"/>
+                        <a:t>Statistical</a:t>
+                      </a:r>
+                      <a:endParaRPr lang="en-US" sz="2400" dirty="0"/>
+                    </a:p>
+                  </a:txBody>
+                  <a:tcPr/>
+                </a:tc>
+                <a:tc>
+                  <a:txBody>
+                    <a:bodyPr/>
+                    <a:lstStyle/>
+                    <a:p>
+                      <a:pPr algn="ctr"/>
+                      <a:r>
+                        <a:rPr lang="en-US" sz="2400" dirty="0" smtClean="0"/>
+                        <a:t>85.4</a:t>
+                      </a:r>
+                      <a:endParaRPr lang="en-US" sz="2400" dirty="0"/>
+                    </a:p>
+                  </a:txBody>
+                  <a:tcPr/>
+                </a:tc>
+                <a:tc>
+                  <a:txBody>
+                    <a:bodyPr/>
+                    <a:lstStyle/>
+                    <a:p>
+                      <a:pPr algn="ctr"/>
+                      <a:r>
+                        <a:rPr lang="en-US" sz="2400" dirty="0" smtClean="0"/>
+                        <a:t>88.0</a:t>
+                      </a:r>
+                      <a:endParaRPr lang="en-US" sz="2400" dirty="0"/>
+                    </a:p>
+                  </a:txBody>
+                  <a:tcPr/>
+                </a:tc>
+                <a:tc>
+                  <a:txBody>
+                    <a:bodyPr/>
+                    <a:lstStyle/>
+                    <a:p>
+                      <a:pPr algn="ctr"/>
+                      <a:r>
+                        <a:rPr lang="en-US" sz="2400" dirty="0" smtClean="0"/>
+                        <a:t>81.7</a:t>
+                      </a:r>
+                      <a:endParaRPr lang="en-US" sz="2400" dirty="0"/>
+                    </a:p>
+                  </a:txBody>
+                  <a:tcPr/>
+                </a:tc>
+              </a:tr>
+              <a:tr h="669527">
+                <a:tc>
+                  <a:txBody>
+                    <a:bodyPr/>
+                    <a:lstStyle/>
+                    <a:p>
+                      <a:pPr algn="ctr"/>
+                      <a:r>
+                        <a:rPr lang="en-US" sz="2400" dirty="0" smtClean="0"/>
+                        <a:t>All</a:t>
+                      </a:r>
+                      <a:endParaRPr lang="en-US" sz="2400" dirty="0"/>
+                    </a:p>
+                  </a:txBody>
+                  <a:tcPr/>
+                </a:tc>
+                <a:tc>
+                  <a:txBody>
+                    <a:bodyPr/>
+                    <a:lstStyle/>
+                    <a:p>
+                      <a:pPr algn="ctr"/>
+                      <a:r>
+                        <a:rPr lang="en-US" sz="2400" dirty="0" smtClean="0"/>
+                        <a:t>89.4</a:t>
+                      </a:r>
+                      <a:endParaRPr lang="en-US" sz="2400" dirty="0"/>
+                    </a:p>
+                  </a:txBody>
+                  <a:tcPr/>
+                </a:tc>
+                <a:tc>
+                  <a:txBody>
+                    <a:bodyPr/>
+                    <a:lstStyle/>
+                    <a:p>
+                      <a:pPr algn="ctr"/>
+                      <a:r>
+                        <a:rPr lang="en-US" sz="2400" dirty="0" smtClean="0"/>
+                        <a:t>89.0</a:t>
+                      </a:r>
+                      <a:endParaRPr lang="en-US" sz="2400" dirty="0"/>
+                    </a:p>
+                  </a:txBody>
+                  <a:tcPr/>
+                </a:tc>
+                <a:tc>
+                  <a:txBody>
+                    <a:bodyPr/>
+                    <a:lstStyle/>
+                    <a:p>
+                      <a:pPr algn="ctr"/>
+                      <a:r>
+                        <a:rPr lang="en-US" sz="2400" dirty="0" smtClean="0"/>
+                        <a:t>86.0</a:t>
+                      </a:r>
+                      <a:endParaRPr lang="en-US" sz="2400" dirty="0"/>
+                    </a:p>
+                  </a:txBody>
+                  <a:tcPr/>
+                </a:tc>
+              </a:tr>
+            </a:tbl>
+          </a:graphicData>
+        </a:graphic>
+      </p:graphicFrame>
+    </p:spTree>
+    <p:extLst>
+      <p:ext uri="{BB962C8B-B14F-4D97-AF65-F5344CB8AC3E}">
+        <p14:creationId xmlns:p14="http://schemas.microsoft.com/office/powerpoint/2010/main" val="1572789813"/>
+      </p:ext>
+    </p:extLst>
+  </p:cSld>
+  <p:clrMapOvr>
+    <a:masterClrMapping/>
+  </p:clrMapOvr>
+  <p:timing>
+    <p:tnLst>
+      <p:par>
+        <p:cTn id="1" dur="indefinite" restart="never" nodeType="tmRoot"/>
+      </p:par>
+    </p:tnLst>
+  </p:timing>
+</p:sld>
+</file>
+
+<file path=ppt/slides/slide11.xml><?xml version="1.0" encoding="utf-8"?>
+<p:sld xmlns:a="http://schemas.openxmlformats.org/drawingml/2006/main" xmlns:r="http://schemas.openxmlformats.org/officeDocument/2006/relationships" xmlns:p="http://schemas.openxmlformats.org/presentationml/2006/main">
+  <p:cSld>
+    <p:spTree>
+      <p:nvGrpSpPr>
+        <p:cNvPr id="1" name=""/>
+        <p:cNvGrpSpPr/>
+        <p:nvPr/>
+      </p:nvGrpSpPr>
+      <p:grpSpPr>
+        <a:xfrm>
+          <a:off x="0" y="0"/>
+          <a:ext cx="0" cy="0"/>
+          <a:chOff x="0" y="0"/>
+          <a:chExt cx="0" cy="0"/>
+        </a:xfrm>
+      </p:grpSpPr>
+      <p:pic>
+        <p:nvPicPr>
+          <p:cNvPr id="5" name="image1.png"/>
+          <p:cNvPicPr>
+            <a:picLocks noChangeAspect="1"/>
+          </p:cNvPicPr>
+          <p:nvPr/>
+        </p:nvPicPr>
+        <p:blipFill>
+          <a:blip r:embed="rId2">
+            <a:extLst/>
+          </a:blip>
+          <a:stretch>
+            <a:fillRect/>
+          </a:stretch>
+        </p:blipFill>
+        <p:spPr>
+          <a:xfrm>
+            <a:off x="305304" y="249665"/>
+            <a:ext cx="2125662" cy="798457"/>
+          </a:xfrm>
+          <a:prstGeom prst="rect">
+            <a:avLst/>
+          </a:prstGeom>
+          <a:ln w="12700">
+            <a:miter lim="400000"/>
+          </a:ln>
+        </p:spPr>
+      </p:pic>
+      <p:cxnSp>
+        <p:nvCxnSpPr>
+          <p:cNvPr id="8" name="Straight Connector 7"/>
+          <p:cNvCxnSpPr/>
+          <p:nvPr/>
+        </p:nvCxnSpPr>
+        <p:spPr>
+          <a:xfrm>
+            <a:off x="457200" y="1105274"/>
+            <a:ext cx="11296185" cy="0"/>
+          </a:xfrm>
+          <a:prstGeom prst="line">
+            <a:avLst/>
+          </a:prstGeom>
+          <a:ln w="25400">
+            <a:solidFill>
+              <a:srgbClr val="C00000"/>
+            </a:solidFill>
+          </a:ln>
+        </p:spPr>
+        <p:style>
+          <a:lnRef idx="1">
+            <a:schemeClr val="accent1"/>
+          </a:lnRef>
+          <a:fillRef idx="0">
+            <a:schemeClr val="accent1"/>
+          </a:fillRef>
+          <a:effectRef idx="0">
+            <a:schemeClr val="accent1"/>
+          </a:effectRef>
+          <a:fontRef idx="minor">
+            <a:schemeClr val="tx1"/>
+          </a:fontRef>
+        </p:style>
+      </p:cxnSp>
+      <p:sp>
+        <p:nvSpPr>
+          <p:cNvPr id="9" name="TextBox 8"/>
+          <p:cNvSpPr txBox="1"/>
+          <p:nvPr/>
+        </p:nvSpPr>
+        <p:spPr>
+          <a:xfrm>
+            <a:off x="4988640" y="325727"/>
+            <a:ext cx="2233304" cy="646331"/>
+          </a:xfrm>
+          <a:prstGeom prst="rect">
+            <a:avLst/>
+          </a:prstGeom>
+          <a:noFill/>
+        </p:spPr>
+        <p:txBody>
+          <a:bodyPr wrap="none" rtlCol="0">
+            <a:spAutoFit/>
+          </a:bodyPr>
+          <a:lstStyle/>
+          <a:p>
+            <a:r>
+              <a:rPr lang="en-US" sz="3600" dirty="0" smtClean="0"/>
+              <a:t>Conclusion</a:t>
+            </a:r>
+          </a:p>
+        </p:txBody>
+      </p:sp>
+      <p:sp>
+        <p:nvSpPr>
+          <p:cNvPr id="3" name="Content Placeholder 2"/>
+          <p:cNvSpPr>
+            <a:spLocks noGrp="1"/>
+          </p:cNvSpPr>
+          <p:nvPr>
+            <p:ph sz="half" idx="1"/>
+          </p:nvPr>
+        </p:nvSpPr>
+        <p:spPr/>
+        <p:txBody>
+          <a:bodyPr/>
+          <a:lstStyle/>
+          <a:p>
+            <a:endParaRPr lang="en-US" dirty="0" smtClean="0"/>
+          </a:p>
+          <a:p>
+            <a:r>
+              <a:rPr lang="en-US" altLang="zh-CN" dirty="0" smtClean="0"/>
+              <a:t>Language specific knowledge can help us generate better features</a:t>
+            </a:r>
+          </a:p>
+          <a:p>
+            <a:endParaRPr lang="en-US" dirty="0"/>
+          </a:p>
+          <a:p>
+            <a:r>
+              <a:rPr lang="en-US" dirty="0" smtClean="0"/>
+              <a:t>Some insights are hard to transform into feature, sometimes we need help from statistics.</a:t>
+            </a:r>
+            <a:endParaRPr lang="en-US" dirty="0" smtClean="0"/>
+          </a:p>
+        </p:txBody>
+      </p:sp>
+      <p:sp>
+        <p:nvSpPr>
+          <p:cNvPr id="4" name="Content Placeholder 3"/>
+          <p:cNvSpPr>
+            <a:spLocks noGrp="1"/>
+          </p:cNvSpPr>
+          <p:nvPr>
+            <p:ph sz="half" idx="2"/>
+          </p:nvPr>
+        </p:nvSpPr>
+        <p:spPr/>
+        <p:txBody>
+          <a:bodyPr/>
+          <a:lstStyle/>
+          <a:p>
+            <a:endParaRPr lang="en-US" dirty="0" smtClean="0"/>
+          </a:p>
+          <a:p>
+            <a:r>
+              <a:rPr lang="en-US" dirty="0" smtClean="0"/>
+              <a:t>Data really helps!</a:t>
+            </a:r>
+          </a:p>
+          <a:p>
+            <a:endParaRPr lang="en-US" dirty="0" smtClean="0"/>
+          </a:p>
+          <a:p>
+            <a:r>
+              <a:rPr lang="en-US" dirty="0" smtClean="0"/>
+              <a:t>Language insight matters!</a:t>
+            </a:r>
+          </a:p>
+          <a:p>
+            <a:endParaRPr lang="en-US" dirty="0"/>
+          </a:p>
+          <a:p>
+            <a:r>
+              <a:rPr lang="en-US" dirty="0" smtClean="0"/>
+              <a:t>Beware to choose the right statistic!</a:t>
+            </a:r>
+          </a:p>
+          <a:p>
+            <a:endParaRPr lang="en-US" dirty="0"/>
+          </a:p>
+          <a:p>
+            <a:endParaRPr lang="en-US" dirty="0" smtClean="0"/>
+          </a:p>
+        </p:txBody>
+      </p:sp>
+      <p:sp>
+        <p:nvSpPr>
+          <p:cNvPr id="6" name="TextBox 5"/>
+          <p:cNvSpPr txBox="1"/>
+          <p:nvPr/>
+        </p:nvSpPr>
+        <p:spPr>
+          <a:xfrm>
+            <a:off x="2644811" y="1302405"/>
+            <a:ext cx="1568378" cy="523220"/>
+          </a:xfrm>
+          <a:prstGeom prst="rect">
+            <a:avLst/>
+          </a:prstGeom>
+          <a:noFill/>
+        </p:spPr>
+        <p:txBody>
+          <a:bodyPr wrap="none" rtlCol="0">
+            <a:spAutoFit/>
+          </a:bodyPr>
+          <a:lstStyle/>
+          <a:p>
+            <a:r>
+              <a:rPr lang="en-US" sz="2800" dirty="0" smtClean="0"/>
+              <a:t>Language</a:t>
+            </a:r>
+            <a:endParaRPr lang="en-US" sz="2800" dirty="0"/>
+          </a:p>
+        </p:txBody>
+      </p:sp>
+      <p:sp>
+        <p:nvSpPr>
+          <p:cNvPr id="10" name="TextBox 9"/>
+          <p:cNvSpPr txBox="1"/>
+          <p:nvPr/>
+        </p:nvSpPr>
+        <p:spPr>
+          <a:xfrm>
+            <a:off x="7978811" y="1295516"/>
+            <a:ext cx="1468415" cy="523220"/>
+          </a:xfrm>
+          <a:prstGeom prst="rect">
+            <a:avLst/>
+          </a:prstGeom>
+          <a:noFill/>
+        </p:spPr>
+        <p:txBody>
+          <a:bodyPr wrap="none" rtlCol="0">
+            <a:spAutoFit/>
+          </a:bodyPr>
+          <a:lstStyle/>
+          <a:p>
+            <a:r>
+              <a:rPr lang="en-US" sz="2800" dirty="0" smtClean="0"/>
+              <a:t>Statistics</a:t>
+            </a:r>
+            <a:endParaRPr lang="en-US" sz="2800" dirty="0"/>
+          </a:p>
+        </p:txBody>
+      </p:sp>
+    </p:spTree>
+    <p:extLst>
+      <p:ext uri="{BB962C8B-B14F-4D97-AF65-F5344CB8AC3E}">
+        <p14:creationId xmlns:p14="http://schemas.microsoft.com/office/powerpoint/2010/main" val="2113882073"/>
+      </p:ext>
+    </p:extLst>
+  </p:cSld>
+  <p:clrMapOvr>
+    <a:masterClrMapping/>
+  </p:clrMapOvr>
+  <p:timing>
+    <p:tnLst>
+      <p:par>
+        <p:cTn id="1" dur="indefinite" restart="never" nodeType="tmRoot">
+          <p:childTnLst>
+            <p:seq concurrent="1" nextAc="seek">
+              <p:cTn id="2" dur="indefinite" nodeType="mainSeq">
+                <p:childTnLst>
+                  <p:par>
+                    <p:cTn id="3" fill="hold">
+                      <p:stCondLst>
+                        <p:cond delay="indefinite"/>
+                      </p:stCondLst>
+                      <p:childTnLst>
+                        <p:par>
+                          <p:cTn id="4" fill="hold">
+                            <p:stCondLst>
+                              <p:cond delay="0"/>
+                            </p:stCondLst>
+                            <p:childTnLst>
+                              <p:par>
+                                <p:cTn id="5" presetID="1" presetClass="entr" presetSubtype="0" fill="hold" nodeType="clickEffect">
+                                  <p:stCondLst>
+                                    <p:cond delay="0"/>
+                                  </p:stCondLst>
+                                  <p:childTnLst>
+                                    <p:set>
+                                      <p:cBhvr>
+                                        <p:cTn id="6" dur="1" fill="hold">
+                                          <p:stCondLst>
+                                            <p:cond delay="0"/>
+                                          </p:stCondLst>
+                                        </p:cTn>
+                                        <p:tgtEl>
+                                          <p:spTgt spid="3">
+                                            <p:txEl>
+                                              <p:pRg st="1" end="1"/>
+                                            </p:txEl>
+                                          </p:spTgt>
+                                        </p:tgtEl>
+                                        <p:attrNameLst>
+                                          <p:attrName>style.visibility</p:attrName>
+                                        </p:attrNameLst>
+                                      </p:cBhvr>
+                                      <p:to>
+                                        <p:strVal val="visible"/>
+                                      </p:to>
+                                    </p:set>
+                                  </p:childTnLst>
+                                </p:cTn>
+                              </p:par>
+                            </p:childTnLst>
+                          </p:cTn>
+                        </p:par>
+                      </p:childTnLst>
+                    </p:cTn>
+                  </p:par>
+                  <p:par>
+                    <p:cTn id="7" fill="hold">
+                      <p:stCondLst>
+                        <p:cond delay="indefinite"/>
+                      </p:stCondLst>
+                      <p:childTnLst>
+                        <p:par>
+                          <p:cTn id="8" fill="hold">
+                            <p:stCondLst>
+                              <p:cond delay="0"/>
+                            </p:stCondLst>
+                            <p:childTnLst>
+                              <p:par>
+                                <p:cTn id="9" presetID="1" presetClass="entr" presetSubtype="0" fill="hold" nodeType="clickEffect">
+                                  <p:stCondLst>
+                                    <p:cond delay="0"/>
+                                  </p:stCondLst>
+                                  <p:childTnLst>
+                                    <p:set>
+                                      <p:cBhvr>
+                                        <p:cTn id="10" dur="1" fill="hold">
+                                          <p:stCondLst>
+                                            <p:cond delay="0"/>
+                                          </p:stCondLst>
+                                        </p:cTn>
+                                        <p:tgtEl>
+                                          <p:spTgt spid="3">
+                                            <p:txEl>
+                                              <p:pRg st="3" end="3"/>
+                                            </p:txEl>
+                                          </p:spTgt>
+                                        </p:tgtEl>
+                                        <p:attrNameLst>
+                                          <p:attrName>style.visibility</p:attrName>
+                                        </p:attrNameLst>
+                                      </p:cBhvr>
+                                      <p:to>
+                                        <p:strVal val="visible"/>
+                                      </p:to>
+                                    </p:set>
+                                  </p:childTnLst>
+                                </p:cTn>
+                              </p:par>
+                            </p:childTnLst>
+                          </p:cTn>
+                        </p:par>
+                      </p:childTnLst>
+                    </p:cTn>
+                  </p:par>
+                  <p:par>
+                    <p:cTn id="11" fill="hold">
+                      <p:stCondLst>
+                        <p:cond delay="indefinite"/>
+                      </p:stCondLst>
+                      <p:childTnLst>
+                        <p:par>
+                          <p:cTn id="12" fill="hold">
+                            <p:stCondLst>
+                              <p:cond delay="0"/>
+                            </p:stCondLst>
+                            <p:childTnLst>
+                              <p:par>
+                                <p:cTn id="13" presetID="1" presetClass="entr" presetSubtype="0" fill="hold" nodeType="clickEffect">
+                                  <p:stCondLst>
+                                    <p:cond delay="0"/>
+                                  </p:stCondLst>
+                                  <p:childTnLst>
+                                    <p:set>
+                                      <p:cBhvr>
+                                        <p:cTn id="14" dur="1" fill="hold">
+                                          <p:stCondLst>
+                                            <p:cond delay="0"/>
+                                          </p:stCondLst>
+                                        </p:cTn>
+                                        <p:tgtEl>
+                                          <p:spTgt spid="4">
+                                            <p:txEl>
+                                              <p:pRg st="1" end="1"/>
+                                            </p:txEl>
+                                          </p:spTgt>
+                                        </p:tgtEl>
+                                        <p:attrNameLst>
+                                          <p:attrName>style.visibility</p:attrName>
+                                        </p:attrNameLst>
+                                      </p:cBhvr>
+                                      <p:to>
+                                        <p:strVal val="visible"/>
+                                      </p:to>
+                                    </p:set>
+                                  </p:childTnLst>
+                                </p:cTn>
+                              </p:par>
+                            </p:childTnLst>
+                          </p:cTn>
+                        </p:par>
+                      </p:childTnLst>
+                    </p:cTn>
+                  </p:par>
+                  <p:par>
+                    <p:cTn id="15" fill="hold">
+                      <p:stCondLst>
+                        <p:cond delay="indefinite"/>
+                      </p:stCondLst>
+                      <p:childTnLst>
+                        <p:par>
+                          <p:cTn id="16" fill="hold">
+                            <p:stCondLst>
+                              <p:cond delay="0"/>
+                            </p:stCondLst>
+                            <p:childTnLst>
+                              <p:par>
+                                <p:cTn id="17" presetID="1" presetClass="entr" presetSubtype="0" fill="hold" nodeType="clickEffect">
+                                  <p:stCondLst>
+                                    <p:cond delay="0"/>
+                                  </p:stCondLst>
+                                  <p:childTnLst>
+                                    <p:set>
+                                      <p:cBhvr>
+                                        <p:cTn id="18" dur="1" fill="hold">
+                                          <p:stCondLst>
+                                            <p:cond delay="0"/>
+                                          </p:stCondLst>
+                                        </p:cTn>
+                                        <p:tgtEl>
+                                          <p:spTgt spid="4">
+                                            <p:txEl>
+                                              <p:pRg st="3" end="3"/>
+                                            </p:txEl>
+                                          </p:spTgt>
+                                        </p:tgtEl>
+                                        <p:attrNameLst>
+                                          <p:attrName>style.visibility</p:attrName>
+                                        </p:attrNameLst>
+                                      </p:cBhvr>
+                                      <p:to>
+                                        <p:strVal val="visible"/>
+                                      </p:to>
+                                    </p:set>
+                                  </p:childTnLst>
+                                </p:cTn>
+                              </p:par>
+                            </p:childTnLst>
+                          </p:cTn>
+                        </p:par>
+                      </p:childTnLst>
+                    </p:cTn>
+                  </p:par>
+                  <p:par>
+                    <p:cTn id="19" fill="hold">
+                      <p:stCondLst>
+                        <p:cond delay="indefinite"/>
+                      </p:stCondLst>
+                      <p:childTnLst>
+                        <p:par>
+                          <p:cTn id="20" fill="hold">
+                            <p:stCondLst>
+                              <p:cond delay="0"/>
+                            </p:stCondLst>
+                            <p:childTnLst>
+                              <p:par>
+                                <p:cTn id="21" presetID="1" presetClass="entr" presetSubtype="0" fill="hold" nodeType="clickEffect">
+                                  <p:stCondLst>
+                                    <p:cond delay="0"/>
+                                  </p:stCondLst>
+                                  <p:childTnLst>
+                                    <p:set>
+                                      <p:cBhvr>
+                                        <p:cTn id="22" dur="1" fill="hold">
+                                          <p:stCondLst>
+                                            <p:cond delay="0"/>
+                                          </p:stCondLst>
+                                        </p:cTn>
+                                        <p:tgtEl>
+                                          <p:spTgt spid="4">
+                                            <p:txEl>
+                                              <p:pRg st="5" end="5"/>
+                                            </p:txEl>
+                                          </p:spTgt>
+                                        </p:tgtEl>
+                                        <p:attrNameLst>
+                                          <p:attrName>style.visibility</p:attrName>
+                                        </p:attrNameLst>
+                                      </p:cBhvr>
+                                      <p:to>
+                                        <p:strVal val="visible"/>
+                                      </p:to>
+                                    </p:set>
+                                  </p:childTnLst>
+                                </p:cTn>
+                              </p:par>
+                            </p:childTnLst>
+                          </p:cTn>
+                        </p:par>
+                      </p:childTnLst>
+                    </p:cTn>
+                  </p:par>
+                </p:childTnLst>
+              </p:cTn>
+              <p:prevCondLst>
+                <p:cond evt="onPrev" delay="0">
+                  <p:tgtEl>
+                    <p:sldTgt/>
+                  </p:tgtEl>
+                </p:cond>
+              </p:prevCondLst>
+              <p:nextCondLst>
+                <p:cond evt="onNext" delay="0">
+                  <p:tgtEl>
+                    <p:sldTgt/>
+                  </p:tgtEl>
+                </p:cond>
+              </p:nextCondLst>
+            </p:seq>
+          </p:childTnLst>
+        </p:cTn>
+      </p:par>
+    </p:tnLst>
+  </p:timing>
+</p:sld>
+</file>
+
+<file path=ppt/slides/slide12.xml><?xml version="1.0" encoding="utf-8"?>
+<p:sld xmlns:a="http://schemas.openxmlformats.org/drawingml/2006/main" xmlns:r="http://schemas.openxmlformats.org/officeDocument/2006/relationships" xmlns:p="http://schemas.openxmlformats.org/presentationml/2006/main">
+  <p:cSld>
+    <p:spTree>
+      <p:nvGrpSpPr>
+        <p:cNvPr id="1" name=""/>
+        <p:cNvGrpSpPr/>
+        <p:nvPr/>
+      </p:nvGrpSpPr>
+      <p:grpSpPr>
+        <a:xfrm>
+          <a:off x="0" y="0"/>
+          <a:ext cx="0" cy="0"/>
+          <a:chOff x="0" y="0"/>
+          <a:chExt cx="0" cy="0"/>
+        </a:xfrm>
+      </p:grpSpPr>
+      <p:pic>
+        <p:nvPicPr>
+          <p:cNvPr id="5" name="image1.png"/>
+          <p:cNvPicPr>
+            <a:picLocks noChangeAspect="1"/>
+          </p:cNvPicPr>
+          <p:nvPr/>
+        </p:nvPicPr>
+        <p:blipFill>
+          <a:blip r:embed="rId2">
+            <a:extLst/>
+          </a:blip>
+          <a:stretch>
+            <a:fillRect/>
+          </a:stretch>
+        </p:blipFill>
+        <p:spPr>
+          <a:xfrm>
+            <a:off x="305304" y="249665"/>
+            <a:ext cx="2125662" cy="798457"/>
+          </a:xfrm>
+          <a:prstGeom prst="rect">
+            <a:avLst/>
+          </a:prstGeom>
+          <a:ln w="12700">
+            <a:miter lim="400000"/>
+          </a:ln>
+        </p:spPr>
+      </p:pic>
+      <p:cxnSp>
+        <p:nvCxnSpPr>
+          <p:cNvPr id="8" name="Straight Connector 7"/>
+          <p:cNvCxnSpPr/>
+          <p:nvPr/>
+        </p:nvCxnSpPr>
+        <p:spPr>
+          <a:xfrm>
+            <a:off x="457200" y="1105274"/>
+            <a:ext cx="11296185" cy="0"/>
+          </a:xfrm>
+          <a:prstGeom prst="line">
+            <a:avLst/>
+          </a:prstGeom>
+          <a:ln w="25400">
+            <a:solidFill>
+              <a:srgbClr val="C00000"/>
+            </a:solidFill>
+          </a:ln>
+        </p:spPr>
+        <p:style>
+          <a:lnRef idx="1">
+            <a:schemeClr val="accent1"/>
+          </a:lnRef>
+          <a:fillRef idx="0">
+            <a:schemeClr val="accent1"/>
+          </a:fillRef>
+          <a:effectRef idx="0">
+            <a:schemeClr val="accent1"/>
+          </a:effectRef>
+          <a:fontRef idx="minor">
+            <a:schemeClr val="tx1"/>
+          </a:fontRef>
+        </p:style>
+      </p:cxnSp>
+      <p:sp>
+        <p:nvSpPr>
           <p:cNvPr id="2" name="TextBox 1"/>
           <p:cNvSpPr txBox="1"/>
           <p:nvPr/>
@@ -3890,8 +4908,8 @@
         </p:nvSpPr>
         <p:spPr>
           <a:xfrm>
-            <a:off x="4489817" y="325727"/>
-            <a:ext cx="3230949" cy="646331"/>
+            <a:off x="4522203" y="325727"/>
+            <a:ext cx="3147593" cy="646331"/>
           </a:xfrm>
           <a:prstGeom prst="rect">
             <a:avLst/>
@@ -3906,60 +4924,41 @@
           <a:p>
             <a:r>
               <a:rPr lang="en-US" sz="3600" dirty="0" smtClean="0"/>
-              <a:t>Task Description</a:t>
+              <a:t>Before We Start</a:t>
             </a:r>
             <a:endParaRPr lang="en-US" sz="3600" dirty="0"/>
           </a:p>
         </p:txBody>
       </p:sp>
-      <p:sp>
-        <p:nvSpPr>
-          <p:cNvPr id="11" name="Content Placeholder 10"/>
-          <p:cNvSpPr>
-            <a:spLocks noGrp="1"/>
-          </p:cNvSpPr>
+      <p:pic>
+        <p:nvPicPr>
+          <p:cNvPr id="2" name="Content Placeholder 1"/>
+          <p:cNvPicPr>
+            <a:picLocks noGrp="1" noChangeAspect="1"/>
+          </p:cNvPicPr>
           <p:nvPr>
             <p:ph idx="1"/>
           </p:nvPr>
-        </p:nvSpPr>
-        <p:spPr/>
-        <p:txBody>
-          <a:bodyPr/>
-          <a:lstStyle/>
-          <a:p>
-            <a:r>
-              <a:rPr lang="en-US" dirty="0" smtClean="0"/>
-              <a:t>Distinguish fake articles generated by trigram model from real articles</a:t>
-            </a:r>
-          </a:p>
-          <a:p>
-            <a:endParaRPr lang="en-US" dirty="0" smtClean="0"/>
-          </a:p>
-          <a:p>
-            <a:r>
-              <a:rPr lang="en-US" dirty="0" smtClean="0"/>
-              <a:t>Binary classification problem</a:t>
-            </a:r>
-            <a:endParaRPr lang="en-US" dirty="0"/>
-          </a:p>
-          <a:p>
-            <a:endParaRPr lang="en-US" dirty="0" smtClean="0"/>
-          </a:p>
-          <a:p>
-            <a:r>
-              <a:rPr lang="en-US" dirty="0" smtClean="0"/>
-              <a:t>Article </a:t>
-            </a:r>
-            <a:r>
-              <a:rPr lang="en-US" dirty="0" smtClean="0">
-                <a:sym typeface="Wingdings"/>
-              </a:rPr>
-              <a:t> Features  Label</a:t>
-            </a:r>
-            <a:endParaRPr lang="en-US" dirty="0"/>
-          </a:p>
-        </p:txBody>
-      </p:sp>
+        </p:nvPicPr>
+        <p:blipFill>
+          <a:blip r:embed="rId3">
+            <a:extLst>
+              <a:ext uri="{28A0092B-C50C-407E-A947-70E740481C1C}">
+                <a14:useLocalDpi xmlns:a14="http://schemas.microsoft.com/office/drawing/2010/main" val="0"/>
+              </a:ext>
+            </a:extLst>
+          </a:blip>
+          <a:stretch>
+            <a:fillRect/>
+          </a:stretch>
+        </p:blipFill>
+        <p:spPr>
+          <a:xfrm>
+            <a:off x="838200" y="1893053"/>
+            <a:ext cx="10515600" cy="4216482"/>
+          </a:xfrm>
+        </p:spPr>
+      </p:pic>
     </p:spTree>
     <p:extLst>
       <p:ext uri="{BB962C8B-B14F-4D97-AF65-F5344CB8AC3E}">
@@ -4069,8 +5068,8 @@
         </p:nvSpPr>
         <p:spPr>
           <a:xfrm>
-            <a:off x="3881742" y="325727"/>
-            <a:ext cx="4447115" cy="646331"/>
+            <a:off x="4522203" y="325727"/>
+            <a:ext cx="3147593" cy="646331"/>
           </a:xfrm>
           <a:prstGeom prst="rect">
             <a:avLst/>
@@ -4083,10 +5082,9 @@
           </a:bodyPr>
           <a:lstStyle/>
           <a:p>
-            <a:pPr algn="ctr"/>
             <a:r>
               <a:rPr lang="en-US" sz="3600" dirty="0" smtClean="0"/>
-              <a:t>Why not (only) trigram</a:t>
+              <a:t>Before We Start</a:t>
             </a:r>
             <a:endParaRPr lang="en-US" sz="3600" dirty="0"/>
           </a:p>
@@ -4094,7 +5092,7 @@
       </p:sp>
       <p:sp>
         <p:nvSpPr>
-          <p:cNvPr id="11" name="Content Placeholder 10"/>
+          <p:cNvPr id="3" name="Content Placeholder 2"/>
           <p:cNvSpPr>
             <a:spLocks noGrp="1"/>
           </p:cNvSpPr>
@@ -4107,261 +5105,39 @@
           <a:bodyPr/>
           <a:lstStyle/>
           <a:p>
-            <a:r>
-              <a:rPr lang="en-US" dirty="0" smtClean="0">
-                <a:solidFill>
-                  <a:srgbClr val="0070C0"/>
-                </a:solidFill>
-              </a:rPr>
-              <a:t>Strong</a:t>
-            </a:r>
+            <a:endParaRPr lang="en-US" dirty="0" smtClean="0"/>
+          </a:p>
+          <a:p>
             <a:r>
               <a:rPr lang="en-US" dirty="0" smtClean="0"/>
-              <a:t> </a:t>
-            </a:r>
-            <a:r>
-              <a:rPr lang="en-US" dirty="0" smtClean="0">
-                <a:solidFill>
-                  <a:srgbClr val="FFC000"/>
-                </a:solidFill>
-              </a:rPr>
-              <a:t>assumption </a:t>
-            </a:r>
-            <a:endParaRPr lang="en-US" dirty="0">
-              <a:solidFill>
-                <a:srgbClr val="FFC000"/>
-              </a:solidFill>
-              <a:sym typeface="Wingdings"/>
-            </a:endParaRPr>
-          </a:p>
-          <a:p>
-            <a:endParaRPr lang="en-US" dirty="0" smtClean="0">
-              <a:sym typeface="Wingdings"/>
-            </a:endParaRPr>
-          </a:p>
-          <a:p>
-            <a:r>
-              <a:rPr lang="en-US" dirty="0" smtClean="0">
-                <a:solidFill>
-                  <a:srgbClr val="C00000"/>
-                </a:solidFill>
-                <a:sym typeface="Wingdings"/>
-              </a:rPr>
-              <a:t>Focus only on local information</a:t>
-            </a:r>
-          </a:p>
-          <a:p>
-            <a:endParaRPr lang="en-US" dirty="0" smtClean="0">
-              <a:sym typeface="Wingdings"/>
-            </a:endParaRPr>
-          </a:p>
-          <a:p>
-            <a:r>
-              <a:rPr lang="en-US" dirty="0" smtClean="0">
-                <a:solidFill>
-                  <a:srgbClr val="00B050"/>
-                </a:solidFill>
-                <a:sym typeface="Wingdings"/>
-              </a:rPr>
-              <a:t>Syntax vs Semantics</a:t>
-            </a:r>
-          </a:p>
-          <a:p>
-            <a:endParaRPr lang="en-US" dirty="0" smtClean="0">
-              <a:sym typeface="Wingdings"/>
-            </a:endParaRPr>
-          </a:p>
-          <a:p>
-            <a:r>
-              <a:rPr lang="en-US" dirty="0" smtClean="0">
-                <a:sym typeface="Wingdings"/>
-              </a:rPr>
-              <a:t>Generation != Prediction</a:t>
-            </a:r>
-            <a:endParaRPr lang="en-US" dirty="0" smtClean="0"/>
+              <a:t>All models are wrong</a:t>
+            </a:r>
           </a:p>
           <a:p>
             <a:endParaRPr lang="en-US" dirty="0"/>
           </a:p>
-        </p:txBody>
-      </p:sp>
-      <p:sp>
-        <p:nvSpPr>
-          <p:cNvPr id="2" name="TextBox 1"/>
-          <p:cNvSpPr txBox="1"/>
-          <p:nvPr/>
-        </p:nvSpPr>
-        <p:spPr>
-          <a:xfrm>
-            <a:off x="6617776" y="2802019"/>
-            <a:ext cx="4736024" cy="2215991"/>
-          </a:xfrm>
-          <a:prstGeom prst="rect">
-            <a:avLst/>
-          </a:prstGeom>
-          <a:noFill/>
-        </p:spPr>
-        <p:txBody>
-          <a:bodyPr wrap="square" rtlCol="0">
-            <a:spAutoFit/>
-          </a:bodyPr>
-          <a:lstStyle/>
-          <a:p>
-            <a:r>
-              <a:rPr lang="en-US" sz="2400" dirty="0" smtClean="0"/>
-              <a:t>&lt;s&gt; IT'S A GREAT LINE THAT </a:t>
-            </a:r>
-            <a:r>
-              <a:rPr lang="en-US" sz="2400" dirty="0" smtClean="0">
-                <a:solidFill>
-                  <a:srgbClr val="C00000"/>
-                </a:solidFill>
-              </a:rPr>
-              <a:t>I RESIGN SCHOOL</a:t>
-            </a:r>
-            <a:r>
-              <a:rPr lang="en-US" sz="2400" dirty="0" smtClean="0"/>
-              <a:t> BUT THE </a:t>
-            </a:r>
-            <a:r>
-              <a:rPr lang="en-US" sz="2400" dirty="0" smtClean="0">
-                <a:solidFill>
-                  <a:srgbClr val="C00000"/>
-                </a:solidFill>
-              </a:rPr>
-              <a:t>PRESIDENT</a:t>
-            </a:r>
-            <a:r>
-              <a:rPr lang="en-US" sz="2400" dirty="0" smtClean="0"/>
-              <a:t> HIS </a:t>
-            </a:r>
-            <a:r>
-              <a:rPr lang="en-US" sz="2400" dirty="0" smtClean="0">
-                <a:solidFill>
-                  <a:srgbClr val="C00000"/>
-                </a:solidFill>
-              </a:rPr>
-              <a:t>TAX BILL </a:t>
-            </a:r>
-            <a:r>
-              <a:rPr lang="en-US" sz="2400" dirty="0" smtClean="0"/>
-              <a:t>PASSED DAYS NOW </a:t>
-            </a:r>
-            <a:r>
-              <a:rPr lang="en-US" sz="2400" dirty="0" smtClean="0">
-                <a:solidFill>
-                  <a:srgbClr val="00B050"/>
-                </a:solidFill>
-              </a:rPr>
-              <a:t>THE PEOPLE IT'S</a:t>
-            </a:r>
-            <a:r>
-              <a:rPr lang="en-US" sz="2400" dirty="0" smtClean="0"/>
-              <a:t> A TRAGEDY TO SEE &lt;/s&gt;</a:t>
-            </a:r>
-          </a:p>
-          <a:p>
-            <a:endParaRPr lang="en-US" sz="2400" dirty="0"/>
+          <a:p>
+            <a:r>
+              <a:rPr lang="en-US" dirty="0" smtClean="0"/>
+              <a:t>But some are useful</a:t>
+            </a:r>
           </a:p>
           <a:p>
             <a:endParaRPr lang="en-US" dirty="0"/>
           </a:p>
-        </p:txBody>
-      </p:sp>
-      <p:sp>
-        <p:nvSpPr>
-          <p:cNvPr id="3" name="Rectangle 2"/>
-          <p:cNvSpPr/>
-          <p:nvPr/>
-        </p:nvSpPr>
-        <p:spPr>
-          <a:xfrm>
-            <a:off x="7129220" y="2802020"/>
-            <a:ext cx="1627322" cy="390632"/>
-          </a:xfrm>
-          <a:prstGeom prst="rect">
-            <a:avLst/>
-          </a:prstGeom>
-          <a:solidFill>
-            <a:schemeClr val="accent1">
-              <a:alpha val="59000"/>
-            </a:schemeClr>
-          </a:solidFill>
-        </p:spPr>
-        <p:style>
-          <a:lnRef idx="2">
-            <a:schemeClr val="accent1">
-              <a:shade val="50000"/>
-            </a:schemeClr>
-          </a:lnRef>
-          <a:fillRef idx="1">
-            <a:schemeClr val="accent1"/>
-          </a:fillRef>
-          <a:effectRef idx="0">
-            <a:schemeClr val="accent1"/>
-          </a:effectRef>
-          <a:fontRef idx="minor">
-            <a:schemeClr val="lt1"/>
-          </a:fontRef>
-        </p:style>
-        <p:txBody>
-          <a:bodyPr rtlCol="0" anchor="ctr"/>
-          <a:lstStyle/>
-          <a:p>
-            <a:pPr algn="ctr"/>
-            <a:endParaRPr lang="en-US"/>
-          </a:p>
-        </p:txBody>
-      </p:sp>
-      <p:sp>
-        <p:nvSpPr>
-          <p:cNvPr id="10" name="Rectangle 9"/>
-          <p:cNvSpPr/>
-          <p:nvPr/>
-        </p:nvSpPr>
-        <p:spPr>
-          <a:xfrm>
-            <a:off x="7625165" y="2802020"/>
-            <a:ext cx="1766807" cy="390632"/>
-          </a:xfrm>
-          <a:prstGeom prst="rect">
-            <a:avLst/>
-          </a:prstGeom>
-          <a:solidFill>
-            <a:srgbClr val="FFC000">
-              <a:alpha val="36000"/>
-            </a:srgbClr>
-          </a:solidFill>
-        </p:spPr>
-        <p:style>
-          <a:lnRef idx="2">
-            <a:schemeClr val="accent1">
-              <a:shade val="50000"/>
-            </a:schemeClr>
-          </a:lnRef>
-          <a:fillRef idx="1">
-            <a:schemeClr val="accent1"/>
-          </a:fillRef>
-          <a:effectRef idx="0">
-            <a:schemeClr val="accent1"/>
-          </a:effectRef>
-          <a:fontRef idx="minor">
-            <a:schemeClr val="lt1"/>
-          </a:fontRef>
-        </p:style>
-        <p:txBody>
-          <a:bodyPr rtlCol="0" anchor="ctr"/>
-          <a:lstStyle/>
-          <a:p>
-            <a:pPr algn="ctr"/>
-            <a:endParaRPr lang="en-US"/>
+          <a:p>
+            <a:r>
+              <a:rPr lang="en-US" dirty="0" smtClean="0"/>
+              <a:t>Others not that useful</a:t>
+            </a:r>
+            <a:endParaRPr lang="en-US" dirty="0"/>
           </a:p>
         </p:txBody>
       </p:sp>
     </p:spTree>
     <p:extLst>
       <p:ext uri="{BB962C8B-B14F-4D97-AF65-F5344CB8AC3E}">
-        <p14:creationId xmlns:p14="http://schemas.microsoft.com/office/powerpoint/2010/main" val="1378202964"/>
+        <p14:creationId xmlns:p14="http://schemas.microsoft.com/office/powerpoint/2010/main" val="524108999"/>
       </p:ext>
     </p:extLst>
   </p:cSld>
@@ -4371,7 +5147,177 @@
   <p:timing>
     <p:tnLst>
       <p:par>
-        <p:cTn id="1" dur="indefinite" restart="never" nodeType="tmRoot"/>
+        <p:cTn id="1" dur="indefinite" restart="never" nodeType="tmRoot">
+          <p:childTnLst>
+            <p:seq concurrent="1" nextAc="seek">
+              <p:cTn id="2" dur="indefinite" nodeType="mainSeq">
+                <p:childTnLst>
+                  <p:par>
+                    <p:cTn id="3" fill="hold">
+                      <p:stCondLst>
+                        <p:cond delay="indefinite"/>
+                      </p:stCondLst>
+                      <p:childTnLst>
+                        <p:par>
+                          <p:cTn id="4" fill="hold">
+                            <p:stCondLst>
+                              <p:cond delay="0"/>
+                            </p:stCondLst>
+                            <p:childTnLst>
+                              <p:par>
+                                <p:cTn id="5" presetID="1" presetClass="entr" presetSubtype="0" fill="hold" nodeType="clickEffect">
+                                  <p:stCondLst>
+                                    <p:cond delay="0"/>
+                                  </p:stCondLst>
+                                  <p:childTnLst>
+                                    <p:set>
+                                      <p:cBhvr>
+                                        <p:cTn id="6" dur="1" fill="hold">
+                                          <p:stCondLst>
+                                            <p:cond delay="0"/>
+                                          </p:stCondLst>
+                                        </p:cTn>
+                                        <p:tgtEl>
+                                          <p:spTgt spid="3">
+                                            <p:txEl>
+                                              <p:pRg st="1" end="1"/>
+                                            </p:txEl>
+                                          </p:spTgt>
+                                        </p:tgtEl>
+                                        <p:attrNameLst>
+                                          <p:attrName>style.visibility</p:attrName>
+                                        </p:attrNameLst>
+                                      </p:cBhvr>
+                                      <p:to>
+                                        <p:strVal val="visible"/>
+                                      </p:to>
+                                    </p:set>
+                                  </p:childTnLst>
+                                </p:cTn>
+                              </p:par>
+                            </p:childTnLst>
+                          </p:cTn>
+                        </p:par>
+                      </p:childTnLst>
+                    </p:cTn>
+                  </p:par>
+                  <p:par>
+                    <p:cTn id="7" fill="hold">
+                      <p:stCondLst>
+                        <p:cond delay="indefinite"/>
+                      </p:stCondLst>
+                      <p:childTnLst>
+                        <p:par>
+                          <p:cTn id="8" fill="hold">
+                            <p:stCondLst>
+                              <p:cond delay="0"/>
+                            </p:stCondLst>
+                            <p:childTnLst>
+                              <p:par>
+                                <p:cTn id="9" presetID="1" presetClass="entr" presetSubtype="0" fill="hold" nodeType="clickEffect">
+                                  <p:stCondLst>
+                                    <p:cond delay="0"/>
+                                  </p:stCondLst>
+                                  <p:childTnLst>
+                                    <p:set>
+                                      <p:cBhvr>
+                                        <p:cTn id="10" dur="1" fill="hold">
+                                          <p:stCondLst>
+                                            <p:cond delay="0"/>
+                                          </p:stCondLst>
+                                        </p:cTn>
+                                        <p:tgtEl>
+                                          <p:spTgt spid="3">
+                                            <p:txEl>
+                                              <p:pRg st="3" end="3"/>
+                                            </p:txEl>
+                                          </p:spTgt>
+                                        </p:tgtEl>
+                                        <p:attrNameLst>
+                                          <p:attrName>style.visibility</p:attrName>
+                                        </p:attrNameLst>
+                                      </p:cBhvr>
+                                      <p:to>
+                                        <p:strVal val="visible"/>
+                                      </p:to>
+                                    </p:set>
+                                  </p:childTnLst>
+                                </p:cTn>
+                              </p:par>
+                            </p:childTnLst>
+                          </p:cTn>
+                        </p:par>
+                      </p:childTnLst>
+                    </p:cTn>
+                  </p:par>
+                  <p:par>
+                    <p:cTn id="11" fill="hold">
+                      <p:stCondLst>
+                        <p:cond delay="indefinite"/>
+                      </p:stCondLst>
+                      <p:childTnLst>
+                        <p:par>
+                          <p:cTn id="12" fill="hold">
+                            <p:stCondLst>
+                              <p:cond delay="0"/>
+                            </p:stCondLst>
+                            <p:childTnLst>
+                              <p:par>
+                                <p:cTn id="13" presetID="1" presetClass="entr" presetSubtype="0" fill="hold" nodeType="clickEffect">
+                                  <p:stCondLst>
+                                    <p:cond delay="0"/>
+                                  </p:stCondLst>
+                                  <p:childTnLst>
+                                    <p:set>
+                                      <p:cBhvr>
+                                        <p:cTn id="14" dur="1" fill="hold">
+                                          <p:stCondLst>
+                                            <p:cond delay="0"/>
+                                          </p:stCondLst>
+                                        </p:cTn>
+                                        <p:tgtEl>
+                                          <p:spTgt spid="3">
+                                            <p:txEl>
+                                              <p:pRg st="5" end="5"/>
+                                            </p:txEl>
+                                          </p:spTgt>
+                                        </p:tgtEl>
+                                        <p:attrNameLst>
+                                          <p:attrName>style.visibility</p:attrName>
+                                        </p:attrNameLst>
+                                      </p:cBhvr>
+                                      <p:to>
+                                        <p:strVal val="visible"/>
+                                      </p:to>
+                                    </p:set>
+                                  </p:childTnLst>
+                                </p:cTn>
+                              </p:par>
+                            </p:childTnLst>
+                          </p:cTn>
+                        </p:par>
+                      </p:childTnLst>
+                    </p:cTn>
+                  </p:par>
+                </p:childTnLst>
+              </p:cTn>
+              <p:prevCondLst>
+                <p:cond evt="onPrev" delay="0">
+                  <p:tgtEl>
+                    <p:sldTgt/>
+                  </p:tgtEl>
+                </p:cond>
+              </p:prevCondLst>
+              <p:nextCondLst>
+                <p:cond evt="onNext" delay="0">
+                  <p:tgtEl>
+                    <p:sldTgt/>
+                  </p:tgtEl>
+                </p:cond>
+              </p:nextCondLst>
+            </p:seq>
+          </p:childTnLst>
+        </p:cTn>
       </p:par>
     </p:tnLst>
   </p:timing>
@@ -4467,8 +5413,8 @@
         </p:nvSpPr>
         <p:spPr>
           <a:xfrm>
-            <a:off x="4126871" y="325727"/>
-            <a:ext cx="3938258" cy="646331"/>
+            <a:off x="4489817" y="325727"/>
+            <a:ext cx="3230949" cy="646331"/>
           </a:xfrm>
           <a:prstGeom prst="rect">
             <a:avLst/>
@@ -4482,8 +5428,8 @@
           <a:lstStyle/>
           <a:p>
             <a:r>
-              <a:rPr lang="en-US" altLang="zh-CN" sz="3600" dirty="0" smtClean="0"/>
-              <a:t>Feature Engineering</a:t>
+              <a:rPr lang="en-US" sz="3600" dirty="0" smtClean="0"/>
+              <a:t>Task Description</a:t>
             </a:r>
             <a:endParaRPr lang="en-US" sz="3600" dirty="0"/>
           </a:p>
@@ -4504,121 +5450,48 @@
           <a:bodyPr/>
           <a:lstStyle/>
           <a:p>
+            <a:endParaRPr lang="en-US" dirty="0" smtClean="0"/>
+          </a:p>
+          <a:p>
             <a:r>
               <a:rPr lang="en-US" dirty="0" smtClean="0"/>
-              <a:t>Type of features: 12</a:t>
-            </a:r>
-          </a:p>
-          <a:p>
+              <a:t>Distinguish </a:t>
+            </a:r>
             <a:r>
               <a:rPr lang="en-US" dirty="0" smtClean="0"/>
-              <a:t>Category of features: </a:t>
-            </a:r>
+              <a:t>fake articles generated by trigram model from real articles</a:t>
+            </a:r>
+          </a:p>
+          <a:p>
+            <a:endParaRPr lang="en-US" dirty="0" smtClean="0"/>
+          </a:p>
+          <a:p>
+            <a:r>
+              <a:rPr lang="en-US" dirty="0" smtClean="0"/>
+              <a:t>Binary classification problem</a:t>
+            </a:r>
+            <a:endParaRPr lang="en-US" dirty="0"/>
           </a:p>
           <a:p>
             <a:pPr lvl="1"/>
             <a:r>
               <a:rPr lang="en-US" dirty="0" smtClean="0"/>
-              <a:t>Semantic</a:t>
-            </a:r>
-          </a:p>
-          <a:p>
-            <a:pPr lvl="1"/>
-            <a:r>
-              <a:rPr lang="en-US" dirty="0" smtClean="0"/>
-              <a:t>Syntactic</a:t>
+              <a:t>Article </a:t>
+            </a:r>
+            <a:r>
+              <a:rPr lang="en-US" dirty="0" smtClean="0">
+                <a:sym typeface="Wingdings"/>
+              </a:rPr>
+              <a:t> Features  Label</a:t>
             </a:r>
             <a:endParaRPr lang="en-US" dirty="0"/>
-          </a:p>
-          <a:p>
-            <a:pPr lvl="1"/>
-            <a:r>
-              <a:rPr lang="en-US" dirty="0" smtClean="0"/>
-              <a:t>Statistical </a:t>
-            </a:r>
-            <a:endParaRPr lang="en-US" dirty="0" smtClean="0"/>
-          </a:p>
-          <a:p>
-            <a:r>
-              <a:rPr lang="en-US" dirty="0" smtClean="0"/>
-              <a:t>Most powerful features:</a:t>
-            </a:r>
-          </a:p>
-          <a:p>
-            <a:pPr lvl="1"/>
-            <a:r>
-              <a:rPr lang="en-US" dirty="0" smtClean="0"/>
-              <a:t>Perplexity ratio of quad-gram and tri-gram (Avg. cv: 85%, </a:t>
-            </a:r>
-            <a:r>
-              <a:rPr lang="en-US" dirty="0"/>
-              <a:t>D</a:t>
-            </a:r>
-            <a:r>
-              <a:rPr lang="en-US" dirty="0" smtClean="0"/>
-              <a:t>ev: 88% )</a:t>
-            </a:r>
-          </a:p>
-          <a:p>
-            <a:pPr lvl="1"/>
-            <a:r>
-              <a:rPr lang="en-US" dirty="0" smtClean="0"/>
-              <a:t>Percentage of phrases repetition (</a:t>
-            </a:r>
-            <a:r>
-              <a:rPr lang="en-US" dirty="0"/>
-              <a:t>Avg. cv: </a:t>
-            </a:r>
-            <a:r>
-              <a:rPr lang="en-US" altLang="zh-CN" dirty="0" smtClean="0"/>
-              <a:t>71</a:t>
-            </a:r>
-            <a:r>
-              <a:rPr lang="en-US" dirty="0" smtClean="0"/>
-              <a:t>%, </a:t>
-            </a:r>
-            <a:r>
-              <a:rPr lang="en-US" dirty="0"/>
-              <a:t>Dev: </a:t>
-            </a:r>
-            <a:r>
-              <a:rPr lang="en-US" dirty="0" smtClean="0"/>
-              <a:t>70% )</a:t>
-            </a:r>
-          </a:p>
-          <a:p>
-            <a:pPr lvl="1"/>
-            <a:r>
-              <a:rPr lang="en-US" dirty="0" smtClean="0"/>
-              <a:t>Number &amp; percentage of unseen pairs (</a:t>
-            </a:r>
-            <a:r>
-              <a:rPr lang="en-US" dirty="0"/>
-              <a:t>Avg. cv: </a:t>
-            </a:r>
-            <a:r>
-              <a:rPr lang="en-US" dirty="0" smtClean="0"/>
-              <a:t>62%, </a:t>
-            </a:r>
-            <a:r>
-              <a:rPr lang="en-US" dirty="0"/>
-              <a:t>Dev: </a:t>
-            </a:r>
-            <a:r>
-              <a:rPr lang="en-US" dirty="0" smtClean="0"/>
-              <a:t>63%)</a:t>
-            </a:r>
-          </a:p>
-          <a:p>
-            <a:pPr lvl="1"/>
-            <a:endParaRPr lang="en-US" dirty="0" smtClean="0"/>
           </a:p>
         </p:txBody>
       </p:sp>
     </p:spTree>
     <p:extLst>
       <p:ext uri="{BB962C8B-B14F-4D97-AF65-F5344CB8AC3E}">
-        <p14:creationId xmlns:p14="http://schemas.microsoft.com/office/powerpoint/2010/main" val="1908505897"/>
+        <p14:creationId xmlns:p14="http://schemas.microsoft.com/office/powerpoint/2010/main" val="1859514939"/>
       </p:ext>
     </p:extLst>
   </p:cSld>
@@ -4661,7 +5534,7 @@
           <p:nvPr/>
         </p:nvPicPr>
         <p:blipFill>
-          <a:blip r:embed="rId3">
+          <a:blip r:embed="rId2">
             <a:extLst/>
           </a:blip>
           <a:stretch>
@@ -4724,8 +5597,8 @@
         </p:nvSpPr>
         <p:spPr>
           <a:xfrm>
-            <a:off x="4696706" y="325727"/>
-            <a:ext cx="2798587" cy="646331"/>
+            <a:off x="3881742" y="325727"/>
+            <a:ext cx="4447115" cy="646331"/>
           </a:xfrm>
           <a:prstGeom prst="rect">
             <a:avLst/>
@@ -4738,9 +5611,10 @@
           </a:bodyPr>
           <a:lstStyle/>
           <a:p>
+            <a:pPr algn="ctr"/>
             <a:r>
               <a:rPr lang="en-US" sz="3600" dirty="0" smtClean="0"/>
-              <a:t>Preprocessing</a:t>
+              <a:t>Why not (only) trigram</a:t>
             </a:r>
             <a:endParaRPr lang="en-US" sz="3600" dirty="0"/>
           </a:p>
@@ -4756,126 +5630,266 @@
             <p:ph idx="1"/>
           </p:nvPr>
         </p:nvSpPr>
-        <p:spPr>
-          <a:xfrm>
-            <a:off x="838199" y="1438167"/>
-            <a:ext cx="10515600" cy="4351338"/>
-          </a:xfrm>
-        </p:spPr>
+        <p:spPr/>
         <p:txBody>
           <a:bodyPr/>
           <a:lstStyle/>
           <a:p>
             <a:r>
+              <a:rPr lang="en-US" dirty="0" smtClean="0">
+                <a:solidFill>
+                  <a:srgbClr val="0070C0"/>
+                </a:solidFill>
+              </a:rPr>
+              <a:t>Strong</a:t>
+            </a:r>
+            <a:r>
               <a:rPr lang="en-US" dirty="0" smtClean="0"/>
-              <a:t>Handle inconsistent doc length in training and </a:t>
-            </a:r>
-            <a:r>
-              <a:rPr lang="en-US" dirty="0" err="1" smtClean="0"/>
-              <a:t>dev</a:t>
-            </a:r>
-            <a:r>
-              <a:rPr lang="en-US" dirty="0" smtClean="0"/>
-              <a:t> set</a:t>
-            </a:r>
+              <a:t> </a:t>
+            </a:r>
+            <a:r>
+              <a:rPr lang="en-US" dirty="0" smtClean="0">
+                <a:solidFill>
+                  <a:srgbClr val="FFC000"/>
+                </a:solidFill>
+              </a:rPr>
+              <a:t>assumption </a:t>
+            </a:r>
+            <a:endParaRPr lang="en-US" dirty="0">
+              <a:solidFill>
+                <a:srgbClr val="FFC000"/>
+              </a:solidFill>
+              <a:sym typeface="Wingdings"/>
+            </a:endParaRPr>
+          </a:p>
+          <a:p>
+            <a:endParaRPr lang="en-US" dirty="0" smtClean="0">
+              <a:sym typeface="Wingdings"/>
+            </a:endParaRPr>
+          </a:p>
+          <a:p>
+            <a:r>
+              <a:rPr lang="en-US" dirty="0" smtClean="0">
+                <a:solidFill>
+                  <a:srgbClr val="C00000"/>
+                </a:solidFill>
+                <a:sym typeface="Wingdings"/>
+              </a:rPr>
+              <a:t>Focus only on local information</a:t>
+            </a:r>
+          </a:p>
+          <a:p>
+            <a:endParaRPr lang="en-US" dirty="0" smtClean="0">
+              <a:sym typeface="Wingdings"/>
+            </a:endParaRPr>
+          </a:p>
+          <a:p>
+            <a:r>
+              <a:rPr lang="en-US" dirty="0" smtClean="0">
+                <a:solidFill>
+                  <a:srgbClr val="00B050"/>
+                </a:solidFill>
+                <a:sym typeface="Wingdings"/>
+              </a:rPr>
+              <a:t>Syntax vs Semantics</a:t>
+            </a:r>
+          </a:p>
+          <a:p>
+            <a:endParaRPr lang="en-US" dirty="0" smtClean="0">
+              <a:sym typeface="Wingdings"/>
+            </a:endParaRPr>
+          </a:p>
+          <a:p>
+            <a:r>
+              <a:rPr lang="en-US" dirty="0" smtClean="0">
+                <a:sym typeface="Wingdings"/>
+              </a:rPr>
+              <a:t>Generation != Prediction</a:t>
+            </a:r>
+            <a:endParaRPr lang="en-US" dirty="0" smtClean="0"/>
+          </a:p>
+          <a:p>
             <a:endParaRPr lang="en-US" dirty="0"/>
           </a:p>
         </p:txBody>
       </p:sp>
-      <p:pic>
-        <p:nvPicPr>
-          <p:cNvPr id="2" name="Picture 1"/>
-          <p:cNvPicPr>
-            <a:picLocks noChangeAspect="1"/>
-          </p:cNvPicPr>
+      <p:sp>
+        <p:nvSpPr>
+          <p:cNvPr id="2" name="TextBox 1"/>
+          <p:cNvSpPr txBox="1"/>
           <p:nvPr/>
-        </p:nvPicPr>
-        <p:blipFill>
-          <a:blip r:embed="rId4">
-            <a:extLst>
-              <a:ext uri="{28A0092B-C50C-407E-A947-70E740481C1C}">
-                <a14:useLocalDpi xmlns:a14="http://schemas.microsoft.com/office/drawing/2010/main" val="0"/>
-              </a:ext>
-            </a:extLst>
-          </a:blip>
-          <a:stretch>
-            <a:fillRect/>
-          </a:stretch>
-        </p:blipFill>
-        <p:spPr>
-          <a:xfrm>
-            <a:off x="305304" y="2402238"/>
-            <a:ext cx="4034725" cy="3026044"/>
+        </p:nvSpPr>
+        <p:spPr>
+          <a:xfrm>
+            <a:off x="6617776" y="2802019"/>
+            <a:ext cx="4736024" cy="2215991"/>
           </a:xfrm>
           <a:prstGeom prst="rect">
             <a:avLst/>
           </a:prstGeom>
-        </p:spPr>
-      </p:pic>
-      <p:pic>
-        <p:nvPicPr>
-          <p:cNvPr id="3" name="Picture 2"/>
-          <p:cNvPicPr>
-            <a:picLocks noChangeAspect="1"/>
-          </p:cNvPicPr>
+          <a:noFill/>
+        </p:spPr>
+        <p:txBody>
+          <a:bodyPr wrap="square" rtlCol="0">
+            <a:spAutoFit/>
+          </a:bodyPr>
+          <a:lstStyle/>
+          <a:p>
+            <a:r>
+              <a:rPr lang="en-US" sz="2400" dirty="0" smtClean="0"/>
+              <a:t>&lt;s&gt; IT'S A GREAT LINE THAT </a:t>
+            </a:r>
+            <a:r>
+              <a:rPr lang="en-US" sz="2400" dirty="0" smtClean="0">
+                <a:solidFill>
+                  <a:srgbClr val="C00000"/>
+                </a:solidFill>
+              </a:rPr>
+              <a:t>I RESIGN SCHOOL</a:t>
+            </a:r>
+            <a:r>
+              <a:rPr lang="en-US" sz="2400" dirty="0" smtClean="0"/>
+              <a:t> BUT THE </a:t>
+            </a:r>
+            <a:r>
+              <a:rPr lang="en-US" sz="2400" dirty="0" smtClean="0">
+                <a:solidFill>
+                  <a:srgbClr val="C00000"/>
+                </a:solidFill>
+              </a:rPr>
+              <a:t>PRESIDENT</a:t>
+            </a:r>
+            <a:r>
+              <a:rPr lang="en-US" sz="2400" dirty="0" smtClean="0"/>
+              <a:t> HIS </a:t>
+            </a:r>
+            <a:r>
+              <a:rPr lang="en-US" sz="2400" dirty="0" smtClean="0">
+                <a:solidFill>
+                  <a:srgbClr val="C00000"/>
+                </a:solidFill>
+              </a:rPr>
+              <a:t>TAX BILL </a:t>
+            </a:r>
+            <a:r>
+              <a:rPr lang="en-US" sz="2400" dirty="0" smtClean="0"/>
+              <a:t>PASSED DAYS NOW </a:t>
+            </a:r>
+            <a:r>
+              <a:rPr lang="en-US" sz="2400" dirty="0" smtClean="0">
+                <a:solidFill>
+                  <a:srgbClr val="00B050"/>
+                </a:solidFill>
+              </a:rPr>
+              <a:t>THE PEOPLE IT'S</a:t>
+            </a:r>
+            <a:r>
+              <a:rPr lang="en-US" sz="2400" dirty="0" smtClean="0"/>
+              <a:t> A TRAGEDY TO SEE &lt;/s&gt;</a:t>
+            </a:r>
+          </a:p>
+          <a:p>
+            <a:endParaRPr lang="en-US" sz="2400" dirty="0"/>
+          </a:p>
+          <a:p>
+            <a:endParaRPr lang="en-US" dirty="0"/>
+          </a:p>
+        </p:txBody>
+      </p:sp>
+      <p:sp>
+        <p:nvSpPr>
+          <p:cNvPr id="3" name="Rectangle 2"/>
+          <p:cNvSpPr/>
           <p:nvPr/>
-        </p:nvPicPr>
-        <p:blipFill>
-          <a:blip r:embed="rId5">
-            <a:extLst>
-              <a:ext uri="{28A0092B-C50C-407E-A947-70E740481C1C}">
-                <a14:useLocalDpi xmlns:a14="http://schemas.microsoft.com/office/drawing/2010/main" val="0"/>
-              </a:ext>
-            </a:extLst>
-          </a:blip>
-          <a:stretch>
-            <a:fillRect/>
-          </a:stretch>
-        </p:blipFill>
-        <p:spPr>
-          <a:xfrm>
-            <a:off x="3930363" y="2390614"/>
-            <a:ext cx="4070888" cy="3053166"/>
+        </p:nvSpPr>
+        <p:spPr>
+          <a:xfrm>
+            <a:off x="7129220" y="2802020"/>
+            <a:ext cx="1627322" cy="390632"/>
           </a:xfrm>
           <a:prstGeom prst="rect">
             <a:avLst/>
           </a:prstGeom>
-        </p:spPr>
-      </p:pic>
-      <p:pic>
-        <p:nvPicPr>
-          <p:cNvPr id="4" name="Picture 3"/>
-          <p:cNvPicPr>
-            <a:picLocks noChangeAspect="1"/>
-          </p:cNvPicPr>
+          <a:solidFill>
+            <a:schemeClr val="accent1">
+              <a:alpha val="59000"/>
+            </a:schemeClr>
+          </a:solidFill>
+        </p:spPr>
+        <p:style>
+          <a:lnRef idx="2">
+            <a:schemeClr val="accent1">
+              <a:shade val="50000"/>
+            </a:schemeClr>
+          </a:lnRef>
+          <a:fillRef idx="1">
+            <a:schemeClr val="accent1"/>
+          </a:fillRef>
+          <a:effectRef idx="0">
+            <a:schemeClr val="accent1"/>
+          </a:effectRef>
+          <a:fontRef idx="minor">
+            <a:schemeClr val="lt1"/>
+          </a:fontRef>
+        </p:style>
+        <p:txBody>
+          <a:bodyPr rtlCol="0" anchor="ctr"/>
+          <a:lstStyle/>
+          <a:p>
+            <a:pPr algn="ctr"/>
+            <a:endParaRPr lang="en-US"/>
+          </a:p>
+        </p:txBody>
+      </p:sp>
+      <p:sp>
+        <p:nvSpPr>
+          <p:cNvPr id="10" name="Rectangle 9"/>
+          <p:cNvSpPr/>
           <p:nvPr/>
-        </p:nvPicPr>
-        <p:blipFill>
-          <a:blip r:embed="rId6">
-            <a:extLst>
-              <a:ext uri="{28A0092B-C50C-407E-A947-70E740481C1C}">
-                <a14:useLocalDpi xmlns:a14="http://schemas.microsoft.com/office/drawing/2010/main" val="0"/>
-              </a:ext>
-            </a:extLst>
-          </a:blip>
-          <a:stretch>
-            <a:fillRect/>
-          </a:stretch>
-        </p:blipFill>
-        <p:spPr>
-          <a:xfrm>
-            <a:off x="7851969" y="2404175"/>
-            <a:ext cx="4070888" cy="3053166"/>
+        </p:nvSpPr>
+        <p:spPr>
+          <a:xfrm>
+            <a:off x="7625165" y="2802020"/>
+            <a:ext cx="1766807" cy="390632"/>
           </a:xfrm>
           <a:prstGeom prst="rect">
             <a:avLst/>
           </a:prstGeom>
-        </p:spPr>
-      </p:pic>
+          <a:solidFill>
+            <a:srgbClr val="FFC000">
+              <a:alpha val="36000"/>
+            </a:srgbClr>
+          </a:solidFill>
+        </p:spPr>
+        <p:style>
+          <a:lnRef idx="2">
+            <a:schemeClr val="accent1">
+              <a:shade val="50000"/>
+            </a:schemeClr>
+          </a:lnRef>
+          <a:fillRef idx="1">
+            <a:schemeClr val="accent1"/>
+          </a:fillRef>
+          <a:effectRef idx="0">
+            <a:schemeClr val="accent1"/>
+          </a:effectRef>
+          <a:fontRef idx="minor">
+            <a:schemeClr val="lt1"/>
+          </a:fontRef>
+        </p:style>
+        <p:txBody>
+          <a:bodyPr rtlCol="0" anchor="ctr"/>
+          <a:lstStyle/>
+          <a:p>
+            <a:pPr algn="ctr"/>
+            <a:endParaRPr lang="en-US"/>
+          </a:p>
+        </p:txBody>
+      </p:sp>
     </p:spTree>
     <p:extLst>
       <p:ext uri="{BB962C8B-B14F-4D97-AF65-F5344CB8AC3E}">
-        <p14:creationId xmlns:p14="http://schemas.microsoft.com/office/powerpoint/2010/main" val="396969502"/>
+        <p14:creationId xmlns:p14="http://schemas.microsoft.com/office/powerpoint/2010/main" val="1378202964"/>
       </p:ext>
     </p:extLst>
   </p:cSld>
@@ -4885,9 +5899,332 @@
   <p:timing>
     <p:tnLst>
       <p:par>
-        <p:cTn id="1" dur="indefinite" restart="never" nodeType="tmRoot"/>
+        <p:cTn id="1" dur="indefinite" restart="never" nodeType="tmRoot">
+          <p:childTnLst>
+            <p:seq concurrent="1" nextAc="seek">
+              <p:cTn id="2" dur="indefinite" nodeType="mainSeq">
+                <p:childTnLst>
+                  <p:par>
+                    <p:cTn id="3" fill="hold">
+                      <p:stCondLst>
+                        <p:cond delay="indefinite"/>
+                      </p:stCondLst>
+                      <p:childTnLst>
+                        <p:par>
+                          <p:cTn id="4" fill="hold">
+                            <p:stCondLst>
+                              <p:cond delay="0"/>
+                            </p:stCondLst>
+                            <p:childTnLst>
+                              <p:par>
+                                <p:cTn id="5" presetID="1" presetClass="entr" presetSubtype="0" fill="hold" nodeType="clickEffect">
+                                  <p:stCondLst>
+                                    <p:cond delay="0"/>
+                                  </p:stCondLst>
+                                  <p:childTnLst>
+                                    <p:set>
+                                      <p:cBhvr>
+                                        <p:cTn id="6" dur="1" fill="hold">
+                                          <p:stCondLst>
+                                            <p:cond delay="0"/>
+                                          </p:stCondLst>
+                                        </p:cTn>
+                                        <p:tgtEl>
+                                          <p:spTgt spid="11">
+                                            <p:txEl>
+                                              <p:pRg st="0" end="0"/>
+                                            </p:txEl>
+                                          </p:spTgt>
+                                        </p:tgtEl>
+                                        <p:attrNameLst>
+                                          <p:attrName>style.visibility</p:attrName>
+                                        </p:attrNameLst>
+                                      </p:cBhvr>
+                                      <p:to>
+                                        <p:strVal val="visible"/>
+                                      </p:to>
+                                    </p:set>
+                                  </p:childTnLst>
+                                </p:cTn>
+                              </p:par>
+                            </p:childTnLst>
+                          </p:cTn>
+                        </p:par>
+                      </p:childTnLst>
+                    </p:cTn>
+                  </p:par>
+                  <p:par>
+                    <p:cTn id="7" fill="hold">
+                      <p:stCondLst>
+                        <p:cond delay="indefinite"/>
+                      </p:stCondLst>
+                      <p:childTnLst>
+                        <p:par>
+                          <p:cTn id="8" fill="hold">
+                            <p:stCondLst>
+                              <p:cond delay="0"/>
+                            </p:stCondLst>
+                            <p:childTnLst>
+                              <p:par>
+                                <p:cTn id="9" presetID="1" presetClass="entr" presetSubtype="0" fill="hold" nodeType="clickEffect">
+                                  <p:stCondLst>
+                                    <p:cond delay="0"/>
+                                  </p:stCondLst>
+                                  <p:childTnLst>
+                                    <p:set>
+                                      <p:cBhvr>
+                                        <p:cTn id="10" dur="1" fill="hold">
+                                          <p:stCondLst>
+                                            <p:cond delay="0"/>
+                                          </p:stCondLst>
+                                        </p:cTn>
+                                        <p:tgtEl>
+                                          <p:spTgt spid="11">
+                                            <p:txEl>
+                                              <p:pRg st="2" end="2"/>
+                                            </p:txEl>
+                                          </p:spTgt>
+                                        </p:tgtEl>
+                                        <p:attrNameLst>
+                                          <p:attrName>style.visibility</p:attrName>
+                                        </p:attrNameLst>
+                                      </p:cBhvr>
+                                      <p:to>
+                                        <p:strVal val="visible"/>
+                                      </p:to>
+                                    </p:set>
+                                  </p:childTnLst>
+                                </p:cTn>
+                              </p:par>
+                            </p:childTnLst>
+                          </p:cTn>
+                        </p:par>
+                      </p:childTnLst>
+                    </p:cTn>
+                  </p:par>
+                  <p:par>
+                    <p:cTn id="11" fill="hold">
+                      <p:stCondLst>
+                        <p:cond delay="indefinite"/>
+                      </p:stCondLst>
+                      <p:childTnLst>
+                        <p:par>
+                          <p:cTn id="12" fill="hold">
+                            <p:stCondLst>
+                              <p:cond delay="0"/>
+                            </p:stCondLst>
+                            <p:childTnLst>
+                              <p:par>
+                                <p:cTn id="13" presetID="1" presetClass="entr" presetSubtype="0" fill="hold" nodeType="clickEffect">
+                                  <p:stCondLst>
+                                    <p:cond delay="0"/>
+                                  </p:stCondLst>
+                                  <p:childTnLst>
+                                    <p:set>
+                                      <p:cBhvr>
+                                        <p:cTn id="14" dur="1" fill="hold">
+                                          <p:stCondLst>
+                                            <p:cond delay="0"/>
+                                          </p:stCondLst>
+                                        </p:cTn>
+                                        <p:tgtEl>
+                                          <p:spTgt spid="11">
+                                            <p:txEl>
+                                              <p:pRg st="4" end="4"/>
+                                            </p:txEl>
+                                          </p:spTgt>
+                                        </p:tgtEl>
+                                        <p:attrNameLst>
+                                          <p:attrName>style.visibility</p:attrName>
+                                        </p:attrNameLst>
+                                      </p:cBhvr>
+                                      <p:to>
+                                        <p:strVal val="visible"/>
+                                      </p:to>
+                                    </p:set>
+                                  </p:childTnLst>
+                                </p:cTn>
+                              </p:par>
+                            </p:childTnLst>
+                          </p:cTn>
+                        </p:par>
+                      </p:childTnLst>
+                    </p:cTn>
+                  </p:par>
+                  <p:par>
+                    <p:cTn id="15" fill="hold">
+                      <p:stCondLst>
+                        <p:cond delay="indefinite"/>
+                      </p:stCondLst>
+                      <p:childTnLst>
+                        <p:par>
+                          <p:cTn id="16" fill="hold">
+                            <p:stCondLst>
+                              <p:cond delay="0"/>
+                            </p:stCondLst>
+                            <p:childTnLst>
+                              <p:par>
+                                <p:cTn id="17" presetID="1" presetClass="entr" presetSubtype="0" fill="hold" nodeType="clickEffect">
+                                  <p:stCondLst>
+                                    <p:cond delay="0"/>
+                                  </p:stCondLst>
+                                  <p:childTnLst>
+                                    <p:set>
+                                      <p:cBhvr>
+                                        <p:cTn id="18" dur="1" fill="hold">
+                                          <p:stCondLst>
+                                            <p:cond delay="0"/>
+                                          </p:stCondLst>
+                                        </p:cTn>
+                                        <p:tgtEl>
+                                          <p:spTgt spid="11">
+                                            <p:txEl>
+                                              <p:pRg st="6" end="6"/>
+                                            </p:txEl>
+                                          </p:spTgt>
+                                        </p:tgtEl>
+                                        <p:attrNameLst>
+                                          <p:attrName>style.visibility</p:attrName>
+                                        </p:attrNameLst>
+                                      </p:cBhvr>
+                                      <p:to>
+                                        <p:strVal val="visible"/>
+                                      </p:to>
+                                    </p:set>
+                                  </p:childTnLst>
+                                </p:cTn>
+                              </p:par>
+                            </p:childTnLst>
+                          </p:cTn>
+                        </p:par>
+                      </p:childTnLst>
+                    </p:cTn>
+                  </p:par>
+                  <p:par>
+                    <p:cTn id="19" fill="hold">
+                      <p:stCondLst>
+                        <p:cond delay="indefinite"/>
+                      </p:stCondLst>
+                      <p:childTnLst>
+                        <p:par>
+                          <p:cTn id="20" fill="hold">
+                            <p:stCondLst>
+                              <p:cond delay="0"/>
+                            </p:stCondLst>
+                            <p:childTnLst>
+                              <p:par>
+                                <p:cTn id="21" presetID="1" presetClass="entr" presetSubtype="0" fill="hold" grpId="0" nodeType="clickEffect">
+                                  <p:stCondLst>
+                                    <p:cond delay="0"/>
+                                  </p:stCondLst>
+                                  <p:childTnLst>
+                                    <p:set>
+                                      <p:cBhvr>
+                                        <p:cTn id="22" dur="1" fill="hold">
+                                          <p:stCondLst>
+                                            <p:cond delay="0"/>
+                                          </p:stCondLst>
+                                        </p:cTn>
+                                        <p:tgtEl>
+                                          <p:spTgt spid="3"/>
+                                        </p:tgtEl>
+                                        <p:attrNameLst>
+                                          <p:attrName>style.visibility</p:attrName>
+                                        </p:attrNameLst>
+                                      </p:cBhvr>
+                                      <p:to>
+                                        <p:strVal val="visible"/>
+                                      </p:to>
+                                    </p:set>
+                                  </p:childTnLst>
+                                </p:cTn>
+                              </p:par>
+                              <p:par>
+                                <p:cTn id="23" presetID="1" presetClass="entr" presetSubtype="0" fill="hold" grpId="0" nodeType="withEffect">
+                                  <p:stCondLst>
+                                    <p:cond delay="0"/>
+                                  </p:stCondLst>
+                                  <p:childTnLst>
+                                    <p:set>
+                                      <p:cBhvr>
+                                        <p:cTn id="24" dur="1" fill="hold">
+                                          <p:stCondLst>
+                                            <p:cond delay="0"/>
+                                          </p:stCondLst>
+                                        </p:cTn>
+                                        <p:tgtEl>
+                                          <p:spTgt spid="10"/>
+                                        </p:tgtEl>
+                                        <p:attrNameLst>
+                                          <p:attrName>style.visibility</p:attrName>
+                                        </p:attrNameLst>
+                                      </p:cBhvr>
+                                      <p:to>
+                                        <p:strVal val="visible"/>
+                                      </p:to>
+                                    </p:set>
+                                  </p:childTnLst>
+                                </p:cTn>
+                              </p:par>
+                              <p:par>
+                                <p:cTn id="25" presetID="1" presetClass="entr" presetSubtype="0" fill="hold" grpId="0" nodeType="withEffect">
+                                  <p:stCondLst>
+                                    <p:cond delay="0"/>
+                                  </p:stCondLst>
+                                  <p:childTnLst>
+                                    <p:set>
+                                      <p:cBhvr>
+                                        <p:cTn id="26" dur="1" fill="hold">
+                                          <p:stCondLst>
+                                            <p:cond delay="0"/>
+                                          </p:stCondLst>
+                                        </p:cTn>
+                                        <p:tgtEl>
+                                          <p:spTgt spid="2"/>
+                                        </p:tgtEl>
+                                        <p:attrNameLst>
+                                          <p:attrName>style.visibility</p:attrName>
+                                        </p:attrNameLst>
+                                      </p:cBhvr>
+                                      <p:to>
+                                        <p:strVal val="visible"/>
+                                      </p:to>
+                                    </p:set>
+                                  </p:childTnLst>
+                                </p:cTn>
+                              </p:par>
+                            </p:childTnLst>
+                          </p:cTn>
+                        </p:par>
+                      </p:childTnLst>
+                    </p:cTn>
+                  </p:par>
+                </p:childTnLst>
+              </p:cTn>
+              <p:prevCondLst>
+                <p:cond evt="onPrev" delay="0">
+                  <p:tgtEl>
+                    <p:sldTgt/>
+                  </p:tgtEl>
+                </p:cond>
+              </p:prevCondLst>
+              <p:nextCondLst>
+                <p:cond evt="onNext" delay="0">
+                  <p:tgtEl>
+                    <p:sldTgt/>
+                  </p:tgtEl>
+                </p:cond>
+              </p:nextCondLst>
+            </p:seq>
+          </p:childTnLst>
+        </p:cTn>
       </p:par>
     </p:tnLst>
+    <p:bldLst>
+      <p:bldP spid="2" grpId="0"/>
+      <p:bldP spid="3" grpId="0" animBg="1"/>
+      <p:bldP spid="10" grpId="0" animBg="1"/>
+    </p:bldLst>
   </p:timing>
 </p:sld>
 </file>
@@ -4981,8 +6318,8 @@
         </p:nvSpPr>
         <p:spPr>
           <a:xfrm>
-            <a:off x="3967981" y="325727"/>
-            <a:ext cx="4256037" cy="646331"/>
+            <a:off x="4126871" y="325727"/>
+            <a:ext cx="3938258" cy="646331"/>
           </a:xfrm>
           <a:prstGeom prst="rect">
             <a:avLst/>
@@ -4996,257 +6333,134 @@
           <a:lstStyle/>
           <a:p>
             <a:r>
-              <a:rPr lang="en-US" sz="3600" dirty="0" smtClean="0"/>
-              <a:t>Choose </a:t>
-            </a:r>
-            <a:r>
-              <a:rPr lang="en-US" sz="3600" smtClean="0"/>
-              <a:t>your classifier</a:t>
+              <a:rPr lang="en-US" altLang="zh-CN" sz="3600" dirty="0" smtClean="0"/>
+              <a:t>Feature Engineering</a:t>
             </a:r>
             <a:endParaRPr lang="en-US" sz="3600" dirty="0"/>
           </a:p>
         </p:txBody>
       </p:sp>
-      <p:cxnSp>
-        <p:nvCxnSpPr>
-          <p:cNvPr id="3" name="Straight Arrow Connector 2"/>
-          <p:cNvCxnSpPr/>
-          <p:nvPr/>
-        </p:nvCxnSpPr>
-        <p:spPr>
-          <a:xfrm>
-            <a:off x="2430966" y="5579390"/>
-            <a:ext cx="6961007" cy="0"/>
-          </a:xfrm>
-          <a:prstGeom prst="straightConnector1">
-            <a:avLst/>
-          </a:prstGeom>
-          <a:ln w="76200">
-            <a:tailEnd type="triangle"/>
-          </a:ln>
-        </p:spPr>
-        <p:style>
-          <a:lnRef idx="1">
-            <a:schemeClr val="accent1"/>
-          </a:lnRef>
-          <a:fillRef idx="0">
-            <a:schemeClr val="accent1"/>
-          </a:fillRef>
-          <a:effectRef idx="0">
-            <a:schemeClr val="accent1"/>
-          </a:effectRef>
-          <a:fontRef idx="minor">
-            <a:schemeClr val="tx1"/>
-          </a:fontRef>
-        </p:style>
-      </p:cxnSp>
-      <p:cxnSp>
-        <p:nvCxnSpPr>
-          <p:cNvPr id="6" name="Straight Arrow Connector 5"/>
-          <p:cNvCxnSpPr/>
-          <p:nvPr/>
-        </p:nvCxnSpPr>
-        <p:spPr>
-          <a:xfrm flipV="1">
-            <a:off x="2430966" y="1844298"/>
-            <a:ext cx="0" cy="3735092"/>
-          </a:xfrm>
-          <a:prstGeom prst="straightConnector1">
-            <a:avLst/>
-          </a:prstGeom>
-          <a:ln w="76200">
-            <a:tailEnd type="triangle"/>
-          </a:ln>
-        </p:spPr>
-        <p:style>
-          <a:lnRef idx="1">
-            <a:schemeClr val="accent1"/>
-          </a:lnRef>
-          <a:fillRef idx="0">
-            <a:schemeClr val="accent1"/>
-          </a:fillRef>
-          <a:effectRef idx="0">
-            <a:schemeClr val="accent1"/>
-          </a:effectRef>
-          <a:fontRef idx="minor">
-            <a:schemeClr val="tx1"/>
-          </a:fontRef>
-        </p:style>
-      </p:cxnSp>
-      <p:sp>
-        <p:nvSpPr>
-          <p:cNvPr id="10" name="TextBox 9"/>
-          <p:cNvSpPr txBox="1"/>
-          <p:nvPr/>
-        </p:nvSpPr>
-        <p:spPr>
-          <a:xfrm>
-            <a:off x="867905" y="1844298"/>
-            <a:ext cx="1302216" cy="461665"/>
-          </a:xfrm>
-          <a:prstGeom prst="rect">
-            <a:avLst/>
-          </a:prstGeom>
-          <a:noFill/>
-        </p:spPr>
-        <p:txBody>
-          <a:bodyPr wrap="none" rtlCol="0">
-            <a:spAutoFit/>
-          </a:bodyPr>
-          <a:lstStyle/>
-          <a:p>
-            <a:r>
-              <a:rPr lang="en-US" sz="2400" dirty="0" smtClean="0"/>
-              <a:t>Accuracy</a:t>
-            </a:r>
-            <a:endParaRPr lang="en-US" sz="2400" dirty="0"/>
-          </a:p>
-        </p:txBody>
-      </p:sp>
-      <p:sp>
-        <p:nvSpPr>
-          <p:cNvPr id="12" name="TextBox 11"/>
-          <p:cNvSpPr txBox="1"/>
-          <p:nvPr/>
-        </p:nvSpPr>
-        <p:spPr>
-          <a:xfrm>
-            <a:off x="8089757" y="5824779"/>
-            <a:ext cx="1368195" cy="461665"/>
-          </a:xfrm>
-          <a:prstGeom prst="rect">
-            <a:avLst/>
-          </a:prstGeom>
-          <a:noFill/>
-        </p:spPr>
-        <p:txBody>
-          <a:bodyPr wrap="none" rtlCol="0">
-            <a:spAutoFit/>
-          </a:bodyPr>
-          <a:lstStyle/>
-          <a:p>
-            <a:r>
-              <a:rPr lang="en-US" sz="2400" dirty="0" smtClean="0"/>
-              <a:t>Efficiency</a:t>
-            </a:r>
-          </a:p>
-        </p:txBody>
-      </p:sp>
-      <p:sp>
-        <p:nvSpPr>
-          <p:cNvPr id="13" name="TextBox 12"/>
-          <p:cNvSpPr txBox="1"/>
-          <p:nvPr/>
-        </p:nvSpPr>
-        <p:spPr>
-          <a:xfrm>
-            <a:off x="3093950" y="3527178"/>
-            <a:ext cx="617670" cy="369332"/>
-          </a:xfrm>
-          <a:prstGeom prst="rect">
-            <a:avLst/>
-          </a:prstGeom>
-          <a:noFill/>
-        </p:spPr>
-        <p:txBody>
-          <a:bodyPr wrap="none" rtlCol="0">
-            <a:spAutoFit/>
-          </a:bodyPr>
+      <p:sp>
+        <p:nvSpPr>
+          <p:cNvPr id="11" name="Content Placeholder 10"/>
+          <p:cNvSpPr>
+            <a:spLocks noGrp="1"/>
+          </p:cNvSpPr>
+          <p:nvPr>
+            <p:ph idx="1"/>
+          </p:nvPr>
+        </p:nvSpPr>
+        <p:spPr/>
+        <p:txBody>
+          <a:bodyPr/>
           <a:lstStyle/>
           <a:p>
             <a:r>
               <a:rPr lang="en-US" dirty="0" smtClean="0"/>
-              <a:t>SVM</a:t>
+              <a:t>Type of features: 12</a:t>
+            </a:r>
+          </a:p>
+          <a:p>
+            <a:r>
+              <a:rPr lang="en-US" dirty="0" smtClean="0"/>
+              <a:t>Category of features: </a:t>
+            </a:r>
+          </a:p>
+          <a:p>
+            <a:pPr lvl="1"/>
+            <a:r>
+              <a:rPr lang="en-US" dirty="0" smtClean="0"/>
+              <a:t>Semantic</a:t>
+            </a:r>
+          </a:p>
+          <a:p>
+            <a:pPr lvl="1"/>
+            <a:r>
+              <a:rPr lang="en-US" dirty="0" smtClean="0"/>
+              <a:t>Syntactic</a:t>
             </a:r>
             <a:endParaRPr lang="en-US" dirty="0"/>
           </a:p>
-        </p:txBody>
-      </p:sp>
-      <p:sp>
-        <p:nvSpPr>
-          <p:cNvPr id="14" name="TextBox 13"/>
-          <p:cNvSpPr txBox="1"/>
-          <p:nvPr/>
-        </p:nvSpPr>
-        <p:spPr>
-          <a:xfrm>
-            <a:off x="6658533" y="3711844"/>
-            <a:ext cx="603050" cy="369332"/>
-          </a:xfrm>
-          <a:prstGeom prst="rect">
-            <a:avLst/>
-          </a:prstGeom>
-          <a:noFill/>
-        </p:spPr>
-        <p:txBody>
-          <a:bodyPr wrap="none" rtlCol="0">
-            <a:spAutoFit/>
-          </a:bodyPr>
-          <a:lstStyle/>
-          <a:p>
+          <a:p>
+            <a:pPr lvl="1"/>
             <a:r>
               <a:rPr lang="en-US" dirty="0" smtClean="0"/>
-              <a:t>KNN</a:t>
-            </a:r>
-            <a:endParaRPr lang="en-US" dirty="0"/>
-          </a:p>
-        </p:txBody>
-      </p:sp>
-      <p:sp>
-        <p:nvSpPr>
-          <p:cNvPr id="15" name="TextBox 14"/>
-          <p:cNvSpPr txBox="1"/>
-          <p:nvPr/>
-        </p:nvSpPr>
-        <p:spPr>
-          <a:xfrm>
-            <a:off x="5765810" y="3793100"/>
-            <a:ext cx="407484" cy="369332"/>
-          </a:xfrm>
-          <a:prstGeom prst="rect">
-            <a:avLst/>
-          </a:prstGeom>
-          <a:noFill/>
-        </p:spPr>
-        <p:txBody>
-          <a:bodyPr wrap="none" rtlCol="0">
-            <a:spAutoFit/>
-          </a:bodyPr>
-          <a:lstStyle/>
+              <a:t>Statistical </a:t>
+            </a:r>
+          </a:p>
           <a:p>
             <a:r>
               <a:rPr lang="en-US" dirty="0" smtClean="0"/>
-              <a:t>LR</a:t>
-            </a:r>
-          </a:p>
-        </p:txBody>
-      </p:sp>
-      <p:sp>
-        <p:nvSpPr>
-          <p:cNvPr id="16" name="TextBox 15"/>
-          <p:cNvSpPr txBox="1"/>
-          <p:nvPr/>
-        </p:nvSpPr>
-        <p:spPr>
-          <a:xfrm>
-            <a:off x="6017428" y="2777812"/>
-            <a:ext cx="942630" cy="369332"/>
-          </a:xfrm>
-          <a:prstGeom prst="rect">
-            <a:avLst/>
-          </a:prstGeom>
-          <a:noFill/>
-        </p:spPr>
-        <p:txBody>
-          <a:bodyPr wrap="none" rtlCol="0">
-            <a:spAutoFit/>
-          </a:bodyPr>
-          <a:lstStyle/>
-          <a:p>
-            <a:r>
-              <a:rPr lang="en-US" dirty="0" err="1" smtClean="0"/>
-              <a:t>Xgboost</a:t>
-            </a:r>
+              <a:t>Most powerful features:</a:t>
+            </a:r>
+          </a:p>
+          <a:p>
+            <a:pPr lvl="1"/>
+            <a:r>
+              <a:rPr lang="en-US" dirty="0" smtClean="0"/>
+              <a:t>Perplexity ratio of quad-gram and tri-gram (Avg. cv: 85%, </a:t>
+            </a:r>
+            <a:r>
+              <a:rPr lang="en-US" dirty="0"/>
+              <a:t>D</a:t>
+            </a:r>
+            <a:r>
+              <a:rPr lang="en-US" dirty="0" smtClean="0"/>
+              <a:t>ev: 88% )</a:t>
+            </a:r>
+          </a:p>
+          <a:p>
+            <a:pPr lvl="1"/>
+            <a:r>
+              <a:rPr lang="en-US" dirty="0" smtClean="0"/>
+              <a:t>Percentage of phrases repetition (</a:t>
+            </a:r>
+            <a:r>
+              <a:rPr lang="en-US" dirty="0"/>
+              <a:t>Avg. cv: </a:t>
+            </a:r>
+            <a:r>
+              <a:rPr lang="en-US" altLang="zh-CN" dirty="0" smtClean="0"/>
+              <a:t>71</a:t>
+            </a:r>
+            <a:r>
+              <a:rPr lang="en-US" dirty="0" smtClean="0"/>
+              <a:t>%, </a:t>
+            </a:r>
+            <a:r>
+              <a:rPr lang="en-US" dirty="0"/>
+              <a:t>Dev: </a:t>
+            </a:r>
+            <a:r>
+              <a:rPr lang="en-US" dirty="0" smtClean="0"/>
+              <a:t>70% )</a:t>
+            </a:r>
+          </a:p>
+          <a:p>
+            <a:pPr lvl="1"/>
+            <a:r>
+              <a:rPr lang="en-US" dirty="0" smtClean="0"/>
+              <a:t>Number &amp; percentage of unseen pairs (</a:t>
+            </a:r>
+            <a:r>
+              <a:rPr lang="en-US" dirty="0"/>
+              <a:t>Avg. cv: </a:t>
+            </a:r>
+            <a:r>
+              <a:rPr lang="en-US" dirty="0" smtClean="0"/>
+              <a:t>62%, </a:t>
+            </a:r>
+            <a:r>
+              <a:rPr lang="en-US" dirty="0"/>
+              <a:t>Dev: </a:t>
+            </a:r>
+            <a:r>
+              <a:rPr lang="en-US" dirty="0" smtClean="0"/>
+              <a:t>63%)</a:t>
+            </a:r>
+          </a:p>
+          <a:p>
+            <a:pPr lvl="1"/>
             <a:endParaRPr lang="en-US" dirty="0" smtClean="0"/>
           </a:p>
         </p:txBody>
@@ -5254,7 +6468,7 @@
     </p:spTree>
     <p:extLst>
       <p:ext uri="{BB962C8B-B14F-4D97-AF65-F5344CB8AC3E}">
-        <p14:creationId xmlns:p14="http://schemas.microsoft.com/office/powerpoint/2010/main" val="314697543"/>
+        <p14:creationId xmlns:p14="http://schemas.microsoft.com/office/powerpoint/2010/main" val="1908505897"/>
       </p:ext>
     </p:extLst>
   </p:cSld>
@@ -5264,7 +6478,363 @@
   <p:timing>
     <p:tnLst>
       <p:par>
-        <p:cTn id="1" dur="indefinite" restart="never" nodeType="tmRoot"/>
+        <p:cTn id="1" dur="indefinite" restart="never" nodeType="tmRoot">
+          <p:childTnLst>
+            <p:seq concurrent="1" nextAc="seek">
+              <p:cTn id="2" dur="indefinite" nodeType="mainSeq">
+                <p:childTnLst>
+                  <p:par>
+                    <p:cTn id="3" fill="hold">
+                      <p:stCondLst>
+                        <p:cond delay="indefinite"/>
+                      </p:stCondLst>
+                      <p:childTnLst>
+                        <p:par>
+                          <p:cTn id="4" fill="hold">
+                            <p:stCondLst>
+                              <p:cond delay="0"/>
+                            </p:stCondLst>
+                            <p:childTnLst>
+                              <p:par>
+                                <p:cTn id="5" presetID="1" presetClass="entr" presetSubtype="0" fill="hold" nodeType="clickEffect">
+                                  <p:stCondLst>
+                                    <p:cond delay="0"/>
+                                  </p:stCondLst>
+                                  <p:childTnLst>
+                                    <p:set>
+                                      <p:cBhvr>
+                                        <p:cTn id="6" dur="1" fill="hold">
+                                          <p:stCondLst>
+                                            <p:cond delay="0"/>
+                                          </p:stCondLst>
+                                        </p:cTn>
+                                        <p:tgtEl>
+                                          <p:spTgt spid="11">
+                                            <p:txEl>
+                                              <p:pRg st="0" end="0"/>
+                                            </p:txEl>
+                                          </p:spTgt>
+                                        </p:tgtEl>
+                                        <p:attrNameLst>
+                                          <p:attrName>style.visibility</p:attrName>
+                                        </p:attrNameLst>
+                                      </p:cBhvr>
+                                      <p:to>
+                                        <p:strVal val="visible"/>
+                                      </p:to>
+                                    </p:set>
+                                  </p:childTnLst>
+                                </p:cTn>
+                              </p:par>
+                            </p:childTnLst>
+                          </p:cTn>
+                        </p:par>
+                      </p:childTnLst>
+                    </p:cTn>
+                  </p:par>
+                  <p:par>
+                    <p:cTn id="7" fill="hold">
+                      <p:stCondLst>
+                        <p:cond delay="indefinite"/>
+                      </p:stCondLst>
+                      <p:childTnLst>
+                        <p:par>
+                          <p:cTn id="8" fill="hold">
+                            <p:stCondLst>
+                              <p:cond delay="0"/>
+                            </p:stCondLst>
+                            <p:childTnLst>
+                              <p:par>
+                                <p:cTn id="9" presetID="1" presetClass="entr" presetSubtype="0" fill="hold" nodeType="clickEffect">
+                                  <p:stCondLst>
+                                    <p:cond delay="0"/>
+                                  </p:stCondLst>
+                                  <p:childTnLst>
+                                    <p:set>
+                                      <p:cBhvr>
+                                        <p:cTn id="10" dur="1" fill="hold">
+                                          <p:stCondLst>
+                                            <p:cond delay="0"/>
+                                          </p:stCondLst>
+                                        </p:cTn>
+                                        <p:tgtEl>
+                                          <p:spTgt spid="11">
+                                            <p:txEl>
+                                              <p:pRg st="1" end="1"/>
+                                            </p:txEl>
+                                          </p:spTgt>
+                                        </p:tgtEl>
+                                        <p:attrNameLst>
+                                          <p:attrName>style.visibility</p:attrName>
+                                        </p:attrNameLst>
+                                      </p:cBhvr>
+                                      <p:to>
+                                        <p:strVal val="visible"/>
+                                      </p:to>
+                                    </p:set>
+                                  </p:childTnLst>
+                                </p:cTn>
+                              </p:par>
+                              <p:par>
+                                <p:cTn id="11" presetID="1" presetClass="entr" presetSubtype="0" fill="hold" nodeType="withEffect">
+                                  <p:stCondLst>
+                                    <p:cond delay="0"/>
+                                  </p:stCondLst>
+                                  <p:childTnLst>
+                                    <p:set>
+                                      <p:cBhvr>
+                                        <p:cTn id="12" dur="1" fill="hold">
+                                          <p:stCondLst>
+                                            <p:cond delay="0"/>
+                                          </p:stCondLst>
+                                        </p:cTn>
+                                        <p:tgtEl>
+                                          <p:spTgt spid="11">
+                                            <p:txEl>
+                                              <p:pRg st="2" end="2"/>
+                                            </p:txEl>
+                                          </p:spTgt>
+                                        </p:tgtEl>
+                                        <p:attrNameLst>
+                                          <p:attrName>style.visibility</p:attrName>
+                                        </p:attrNameLst>
+                                      </p:cBhvr>
+                                      <p:to>
+                                        <p:strVal val="visible"/>
+                                      </p:to>
+                                    </p:set>
+                                  </p:childTnLst>
+                                </p:cTn>
+                              </p:par>
+                              <p:par>
+                                <p:cTn id="13" presetID="1" presetClass="entr" presetSubtype="0" fill="hold" nodeType="withEffect">
+                                  <p:stCondLst>
+                                    <p:cond delay="0"/>
+                                  </p:stCondLst>
+                                  <p:childTnLst>
+                                    <p:set>
+                                      <p:cBhvr>
+                                        <p:cTn id="14" dur="1" fill="hold">
+                                          <p:stCondLst>
+                                            <p:cond delay="0"/>
+                                          </p:stCondLst>
+                                        </p:cTn>
+                                        <p:tgtEl>
+                                          <p:spTgt spid="11">
+                                            <p:txEl>
+                                              <p:pRg st="3" end="3"/>
+                                            </p:txEl>
+                                          </p:spTgt>
+                                        </p:tgtEl>
+                                        <p:attrNameLst>
+                                          <p:attrName>style.visibility</p:attrName>
+                                        </p:attrNameLst>
+                                      </p:cBhvr>
+                                      <p:to>
+                                        <p:strVal val="visible"/>
+                                      </p:to>
+                                    </p:set>
+                                  </p:childTnLst>
+                                </p:cTn>
+                              </p:par>
+                              <p:par>
+                                <p:cTn id="15" presetID="1" presetClass="entr" presetSubtype="0" fill="hold" nodeType="withEffect">
+                                  <p:stCondLst>
+                                    <p:cond delay="0"/>
+                                  </p:stCondLst>
+                                  <p:childTnLst>
+                                    <p:set>
+                                      <p:cBhvr>
+                                        <p:cTn id="16" dur="1" fill="hold">
+                                          <p:stCondLst>
+                                            <p:cond delay="0"/>
+                                          </p:stCondLst>
+                                        </p:cTn>
+                                        <p:tgtEl>
+                                          <p:spTgt spid="11">
+                                            <p:txEl>
+                                              <p:pRg st="4" end="4"/>
+                                            </p:txEl>
+                                          </p:spTgt>
+                                        </p:tgtEl>
+                                        <p:attrNameLst>
+                                          <p:attrName>style.visibility</p:attrName>
+                                        </p:attrNameLst>
+                                      </p:cBhvr>
+                                      <p:to>
+                                        <p:strVal val="visible"/>
+                                      </p:to>
+                                    </p:set>
+                                  </p:childTnLst>
+                                </p:cTn>
+                              </p:par>
+                            </p:childTnLst>
+                          </p:cTn>
+                        </p:par>
+                      </p:childTnLst>
+                    </p:cTn>
+                  </p:par>
+                  <p:par>
+                    <p:cTn id="17" fill="hold">
+                      <p:stCondLst>
+                        <p:cond delay="indefinite"/>
+                      </p:stCondLst>
+                      <p:childTnLst>
+                        <p:par>
+                          <p:cTn id="18" fill="hold">
+                            <p:stCondLst>
+                              <p:cond delay="0"/>
+                            </p:stCondLst>
+                            <p:childTnLst>
+                              <p:par>
+                                <p:cTn id="19" presetID="1" presetClass="entr" presetSubtype="0" fill="hold" nodeType="clickEffect">
+                                  <p:stCondLst>
+                                    <p:cond delay="0"/>
+                                  </p:stCondLst>
+                                  <p:childTnLst>
+                                    <p:set>
+                                      <p:cBhvr>
+                                        <p:cTn id="20" dur="1" fill="hold">
+                                          <p:stCondLst>
+                                            <p:cond delay="0"/>
+                                          </p:stCondLst>
+                                        </p:cTn>
+                                        <p:tgtEl>
+                                          <p:spTgt spid="11">
+                                            <p:txEl>
+                                              <p:pRg st="5" end="5"/>
+                                            </p:txEl>
+                                          </p:spTgt>
+                                        </p:tgtEl>
+                                        <p:attrNameLst>
+                                          <p:attrName>style.visibility</p:attrName>
+                                        </p:attrNameLst>
+                                      </p:cBhvr>
+                                      <p:to>
+                                        <p:strVal val="visible"/>
+                                      </p:to>
+                                    </p:set>
+                                  </p:childTnLst>
+                                </p:cTn>
+                              </p:par>
+                              <p:par>
+                                <p:cTn id="21" presetID="1" presetClass="entr" presetSubtype="0" fill="hold" nodeType="withEffect">
+                                  <p:stCondLst>
+                                    <p:cond delay="0"/>
+                                  </p:stCondLst>
+                                  <p:childTnLst>
+                                    <p:set>
+                                      <p:cBhvr>
+                                        <p:cTn id="22" dur="1" fill="hold">
+                                          <p:stCondLst>
+                                            <p:cond delay="0"/>
+                                          </p:stCondLst>
+                                        </p:cTn>
+                                        <p:tgtEl>
+                                          <p:spTgt spid="11">
+                                            <p:txEl>
+                                              <p:pRg st="6" end="6"/>
+                                            </p:txEl>
+                                          </p:spTgt>
+                                        </p:tgtEl>
+                                        <p:attrNameLst>
+                                          <p:attrName>style.visibility</p:attrName>
+                                        </p:attrNameLst>
+                                      </p:cBhvr>
+                                      <p:to>
+                                        <p:strVal val="visible"/>
+                                      </p:to>
+                                    </p:set>
+                                  </p:childTnLst>
+                                </p:cTn>
+                              </p:par>
+                              <p:par>
+                                <p:cTn id="23" presetID="1" presetClass="entr" presetSubtype="0" fill="hold" nodeType="withEffect">
+                                  <p:stCondLst>
+                                    <p:cond delay="0"/>
+                                  </p:stCondLst>
+                                  <p:childTnLst>
+                                    <p:set>
+                                      <p:cBhvr>
+                                        <p:cTn id="24" dur="1" fill="hold">
+                                          <p:stCondLst>
+                                            <p:cond delay="0"/>
+                                          </p:stCondLst>
+                                        </p:cTn>
+                                        <p:tgtEl>
+                                          <p:spTgt spid="11">
+                                            <p:txEl>
+                                              <p:pRg st="7" end="7"/>
+                                            </p:txEl>
+                                          </p:spTgt>
+                                        </p:tgtEl>
+                                        <p:attrNameLst>
+                                          <p:attrName>style.visibility</p:attrName>
+                                        </p:attrNameLst>
+                                      </p:cBhvr>
+                                      <p:to>
+                                        <p:strVal val="visible"/>
+                                      </p:to>
+                                    </p:set>
+                                  </p:childTnLst>
+                                </p:cTn>
+                              </p:par>
+                              <p:par>
+                                <p:cTn id="25" presetID="1" presetClass="entr" presetSubtype="0" fill="hold" nodeType="withEffect">
+                                  <p:stCondLst>
+                                    <p:cond delay="0"/>
+                                  </p:stCondLst>
+                                  <p:childTnLst>
+                                    <p:set>
+                                      <p:cBhvr>
+                                        <p:cTn id="26" dur="1" fill="hold">
+                                          <p:stCondLst>
+                                            <p:cond delay="0"/>
+                                          </p:stCondLst>
+                                        </p:cTn>
+                                        <p:tgtEl>
+                                          <p:spTgt spid="11">
+                                            <p:txEl>
+                                              <p:pRg st="8" end="8"/>
+                                            </p:txEl>
+                                          </p:spTgt>
+                                        </p:tgtEl>
+                                        <p:attrNameLst>
+                                          <p:attrName>style.visibility</p:attrName>
+                                        </p:attrNameLst>
+                                      </p:cBhvr>
+                                      <p:to>
+                                        <p:strVal val="visible"/>
+                                      </p:to>
+                                    </p:set>
+                                  </p:childTnLst>
+                                </p:cTn>
+                              </p:par>
+                            </p:childTnLst>
+                          </p:cTn>
+                        </p:par>
+                      </p:childTnLst>
+                    </p:cTn>
+                  </p:par>
+                </p:childTnLst>
+              </p:cTn>
+              <p:prevCondLst>
+                <p:cond evt="onPrev" delay="0">
+                  <p:tgtEl>
+                    <p:sldTgt/>
+                  </p:tgtEl>
+                </p:cond>
+              </p:prevCondLst>
+              <p:nextCondLst>
+                <p:cond evt="onNext" delay="0">
+                  <p:tgtEl>
+                    <p:sldTgt/>
+                  </p:tgtEl>
+                </p:cond>
+              </p:nextCondLst>
+            </p:seq>
+          </p:childTnLst>
+        </p:cTn>
       </p:par>
     </p:tnLst>
   </p:timing>
@@ -5297,7 +6867,7 @@
           <p:nvPr/>
         </p:nvPicPr>
         <p:blipFill>
-          <a:blip r:embed="rId2">
+          <a:blip r:embed="rId3">
             <a:extLst/>
           </a:blip>
           <a:stretch>
@@ -5360,8 +6930,8 @@
         </p:nvSpPr>
         <p:spPr>
           <a:xfrm>
-            <a:off x="3967981" y="325727"/>
-            <a:ext cx="4256037" cy="646331"/>
+            <a:off x="4696706" y="325727"/>
+            <a:ext cx="2798587" cy="646331"/>
           </a:xfrm>
           <a:prstGeom prst="rect">
             <a:avLst/>
@@ -5376,272 +6946,142 @@
           <a:p>
             <a:r>
               <a:rPr lang="en-US" sz="3600" dirty="0" smtClean="0"/>
-              <a:t>Choose </a:t>
-            </a:r>
-            <a:r>
-              <a:rPr lang="en-US" sz="3600" smtClean="0"/>
-              <a:t>your classifier</a:t>
+              <a:t>Preprocessing</a:t>
             </a:r>
             <a:endParaRPr lang="en-US" sz="3600" dirty="0"/>
           </a:p>
         </p:txBody>
       </p:sp>
-      <p:cxnSp>
-        <p:nvCxnSpPr>
-          <p:cNvPr id="3" name="Straight Arrow Connector 2"/>
-          <p:cNvCxnSpPr/>
+      <p:sp>
+        <p:nvSpPr>
+          <p:cNvPr id="11" name="Content Placeholder 10"/>
+          <p:cNvSpPr>
+            <a:spLocks noGrp="1"/>
+          </p:cNvSpPr>
+          <p:nvPr>
+            <p:ph idx="1"/>
+          </p:nvPr>
+        </p:nvSpPr>
+        <p:spPr>
+          <a:xfrm>
+            <a:off x="838199" y="1438167"/>
+            <a:ext cx="10515600" cy="4351338"/>
+          </a:xfrm>
+        </p:spPr>
+        <p:txBody>
+          <a:bodyPr/>
+          <a:lstStyle/>
+          <a:p>
+            <a:r>
+              <a:rPr lang="en-US" dirty="0" smtClean="0"/>
+              <a:t>Handle inconsistent doc length in training and </a:t>
+            </a:r>
+            <a:r>
+              <a:rPr lang="en-US" dirty="0" err="1" smtClean="0"/>
+              <a:t>dev</a:t>
+            </a:r>
+            <a:r>
+              <a:rPr lang="en-US" dirty="0" smtClean="0"/>
+              <a:t> set</a:t>
+            </a:r>
+            <a:endParaRPr lang="en-US" dirty="0"/>
+          </a:p>
+        </p:txBody>
+      </p:sp>
+      <p:pic>
+        <p:nvPicPr>
+          <p:cNvPr id="2" name="Picture 1"/>
+          <p:cNvPicPr>
+            <a:picLocks noChangeAspect="1"/>
+          </p:cNvPicPr>
           <p:nvPr/>
-        </p:nvCxnSpPr>
-        <p:spPr>
-          <a:xfrm>
-            <a:off x="2430966" y="5579390"/>
-            <a:ext cx="6961007" cy="0"/>
-          </a:xfrm>
-          <a:prstGeom prst="straightConnector1">
-            <a:avLst/>
-          </a:prstGeom>
-          <a:ln w="76200">
-            <a:tailEnd type="triangle"/>
-          </a:ln>
-        </p:spPr>
-        <p:style>
-          <a:lnRef idx="1">
-            <a:schemeClr val="accent1"/>
-          </a:lnRef>
-          <a:fillRef idx="0">
-            <a:schemeClr val="accent1"/>
-          </a:fillRef>
-          <a:effectRef idx="0">
-            <a:schemeClr val="accent1"/>
-          </a:effectRef>
-          <a:fontRef idx="minor">
-            <a:schemeClr val="tx1"/>
-          </a:fontRef>
-        </p:style>
-      </p:cxnSp>
-      <p:cxnSp>
-        <p:nvCxnSpPr>
-          <p:cNvPr id="6" name="Straight Arrow Connector 5"/>
-          <p:cNvCxnSpPr/>
-          <p:nvPr/>
-        </p:nvCxnSpPr>
-        <p:spPr>
-          <a:xfrm flipV="1">
-            <a:off x="2430966" y="1844298"/>
-            <a:ext cx="0" cy="3735092"/>
-          </a:xfrm>
-          <a:prstGeom prst="straightConnector1">
-            <a:avLst/>
-          </a:prstGeom>
-          <a:ln w="76200">
-            <a:tailEnd type="triangle"/>
-          </a:ln>
-        </p:spPr>
-        <p:style>
-          <a:lnRef idx="1">
-            <a:schemeClr val="accent1"/>
-          </a:lnRef>
-          <a:fillRef idx="0">
-            <a:schemeClr val="accent1"/>
-          </a:fillRef>
-          <a:effectRef idx="0">
-            <a:schemeClr val="accent1"/>
-          </a:effectRef>
-          <a:fontRef idx="minor">
-            <a:schemeClr val="tx1"/>
-          </a:fontRef>
-        </p:style>
-      </p:cxnSp>
-      <p:sp>
-        <p:nvSpPr>
-          <p:cNvPr id="10" name="TextBox 9"/>
-          <p:cNvSpPr txBox="1"/>
-          <p:nvPr/>
-        </p:nvSpPr>
-        <p:spPr>
-          <a:xfrm>
-            <a:off x="867905" y="1844298"/>
-            <a:ext cx="1302216" cy="461665"/>
+        </p:nvPicPr>
+        <p:blipFill>
+          <a:blip r:embed="rId4">
+            <a:extLst>
+              <a:ext uri="{28A0092B-C50C-407E-A947-70E740481C1C}">
+                <a14:useLocalDpi xmlns:a14="http://schemas.microsoft.com/office/drawing/2010/main" val="0"/>
+              </a:ext>
+            </a:extLst>
+          </a:blip>
+          <a:stretch>
+            <a:fillRect/>
+          </a:stretch>
+        </p:blipFill>
+        <p:spPr>
+          <a:xfrm>
+            <a:off x="305304" y="2402238"/>
+            <a:ext cx="4034725" cy="3026044"/>
           </a:xfrm>
           <a:prstGeom prst="rect">
             <a:avLst/>
           </a:prstGeom>
-          <a:noFill/>
-        </p:spPr>
-        <p:txBody>
-          <a:bodyPr wrap="none" rtlCol="0">
-            <a:spAutoFit/>
-          </a:bodyPr>
-          <a:lstStyle/>
-          <a:p>
-            <a:r>
-              <a:rPr lang="en-US" sz="2400" dirty="0" smtClean="0"/>
-              <a:t>Accuracy</a:t>
-            </a:r>
-            <a:endParaRPr lang="en-US" sz="2400" dirty="0"/>
-          </a:p>
-        </p:txBody>
-      </p:sp>
-      <p:sp>
-        <p:nvSpPr>
-          <p:cNvPr id="12" name="TextBox 11"/>
-          <p:cNvSpPr txBox="1"/>
+        </p:spPr>
+      </p:pic>
+      <p:pic>
+        <p:nvPicPr>
+          <p:cNvPr id="3" name="Picture 2"/>
+          <p:cNvPicPr>
+            <a:picLocks noChangeAspect="1"/>
+          </p:cNvPicPr>
           <p:nvPr/>
-        </p:nvSpPr>
-        <p:spPr>
-          <a:xfrm>
-            <a:off x="8089757" y="5824779"/>
-            <a:ext cx="1368195" cy="461665"/>
+        </p:nvPicPr>
+        <p:blipFill>
+          <a:blip r:embed="rId5">
+            <a:extLst>
+              <a:ext uri="{28A0092B-C50C-407E-A947-70E740481C1C}">
+                <a14:useLocalDpi xmlns:a14="http://schemas.microsoft.com/office/drawing/2010/main" val="0"/>
+              </a:ext>
+            </a:extLst>
+          </a:blip>
+          <a:stretch>
+            <a:fillRect/>
+          </a:stretch>
+        </p:blipFill>
+        <p:spPr>
+          <a:xfrm>
+            <a:off x="3930363" y="2390614"/>
+            <a:ext cx="4070888" cy="3053166"/>
           </a:xfrm>
           <a:prstGeom prst="rect">
             <a:avLst/>
           </a:prstGeom>
-          <a:noFill/>
-        </p:spPr>
-        <p:txBody>
-          <a:bodyPr wrap="none" rtlCol="0">
-            <a:spAutoFit/>
-          </a:bodyPr>
-          <a:lstStyle/>
-          <a:p>
-            <a:r>
-              <a:rPr lang="en-US" sz="2400" dirty="0" smtClean="0"/>
-              <a:t>Efficiency</a:t>
-            </a:r>
-          </a:p>
-        </p:txBody>
-      </p:sp>
-      <p:sp>
-        <p:nvSpPr>
-          <p:cNvPr id="13" name="TextBox 12"/>
-          <p:cNvSpPr txBox="1"/>
+        </p:spPr>
+      </p:pic>
+      <p:pic>
+        <p:nvPicPr>
+          <p:cNvPr id="4" name="Picture 3"/>
+          <p:cNvPicPr>
+            <a:picLocks noChangeAspect="1"/>
+          </p:cNvPicPr>
           <p:nvPr/>
-        </p:nvSpPr>
-        <p:spPr>
-          <a:xfrm>
-            <a:off x="3093950" y="3527178"/>
-            <a:ext cx="617670" cy="369332"/>
+        </p:nvPicPr>
+        <p:blipFill>
+          <a:blip r:embed="rId6">
+            <a:extLst>
+              <a:ext uri="{28A0092B-C50C-407E-A947-70E740481C1C}">
+                <a14:useLocalDpi xmlns:a14="http://schemas.microsoft.com/office/drawing/2010/main" val="0"/>
+              </a:ext>
+            </a:extLst>
+          </a:blip>
+          <a:stretch>
+            <a:fillRect/>
+          </a:stretch>
+        </p:blipFill>
+        <p:spPr>
+          <a:xfrm>
+            <a:off x="7851969" y="2404175"/>
+            <a:ext cx="4070888" cy="3053166"/>
           </a:xfrm>
           <a:prstGeom prst="rect">
             <a:avLst/>
           </a:prstGeom>
-          <a:noFill/>
-        </p:spPr>
-        <p:txBody>
-          <a:bodyPr wrap="none" rtlCol="0">
-            <a:spAutoFit/>
-          </a:bodyPr>
-          <a:lstStyle/>
-          <a:p>
-            <a:r>
-              <a:rPr lang="en-US" dirty="0" smtClean="0"/>
-              <a:t>SVM</a:t>
-            </a:r>
-            <a:endParaRPr lang="en-US" dirty="0"/>
-          </a:p>
-        </p:txBody>
-      </p:sp>
-      <p:sp>
-        <p:nvSpPr>
-          <p:cNvPr id="14" name="TextBox 13"/>
-          <p:cNvSpPr txBox="1"/>
-          <p:nvPr/>
-        </p:nvSpPr>
-        <p:spPr>
-          <a:xfrm>
-            <a:off x="6658533" y="3711844"/>
-            <a:ext cx="603050" cy="369332"/>
-          </a:xfrm>
-          <a:prstGeom prst="rect">
-            <a:avLst/>
-          </a:prstGeom>
-          <a:noFill/>
-        </p:spPr>
-        <p:txBody>
-          <a:bodyPr wrap="none" rtlCol="0">
-            <a:spAutoFit/>
-          </a:bodyPr>
-          <a:lstStyle/>
-          <a:p>
-            <a:r>
-              <a:rPr lang="en-US" dirty="0" smtClean="0"/>
-              <a:t>KNN</a:t>
-            </a:r>
-            <a:endParaRPr lang="en-US" dirty="0"/>
-          </a:p>
-        </p:txBody>
-      </p:sp>
-      <p:sp>
-        <p:nvSpPr>
-          <p:cNvPr id="15" name="TextBox 14"/>
-          <p:cNvSpPr txBox="1"/>
-          <p:nvPr/>
-        </p:nvSpPr>
-        <p:spPr>
-          <a:xfrm>
-            <a:off x="5765810" y="3793100"/>
-            <a:ext cx="407484" cy="369332"/>
-          </a:xfrm>
-          <a:prstGeom prst="rect">
-            <a:avLst/>
-          </a:prstGeom>
-          <a:noFill/>
-        </p:spPr>
-        <p:txBody>
-          <a:bodyPr wrap="none" rtlCol="0">
-            <a:spAutoFit/>
-          </a:bodyPr>
-          <a:lstStyle/>
-          <a:p>
-            <a:r>
-              <a:rPr lang="en-US" dirty="0" smtClean="0"/>
-              <a:t>LR</a:t>
-            </a:r>
-          </a:p>
-        </p:txBody>
-      </p:sp>
-      <p:sp>
-        <p:nvSpPr>
-          <p:cNvPr id="16" name="TextBox 15"/>
-          <p:cNvSpPr txBox="1"/>
-          <p:nvPr/>
-        </p:nvSpPr>
-        <p:spPr>
-          <a:xfrm>
-            <a:off x="5728535" y="2587864"/>
-            <a:ext cx="1533048" cy="584775"/>
-          </a:xfrm>
-          <a:prstGeom prst="rect">
-            <a:avLst/>
-          </a:prstGeom>
-          <a:noFill/>
-        </p:spPr>
-        <p:txBody>
-          <a:bodyPr wrap="none" rtlCol="0">
-            <a:spAutoFit/>
-          </a:bodyPr>
-          <a:lstStyle/>
-          <a:p>
-            <a:r>
-              <a:rPr lang="en-US" sz="3200" dirty="0" err="1" smtClean="0">
-                <a:solidFill>
-                  <a:srgbClr val="C00000"/>
-                </a:solidFill>
-              </a:rPr>
-              <a:t>Xgboost</a:t>
-            </a:r>
-            <a:endParaRPr lang="en-US" sz="3200" dirty="0" smtClean="0">
-              <a:solidFill>
-                <a:srgbClr val="C00000"/>
-              </a:solidFill>
-            </a:endParaRPr>
-          </a:p>
-        </p:txBody>
-      </p:sp>
+        </p:spPr>
+      </p:pic>
     </p:spTree>
     <p:extLst>
       <p:ext uri="{BB962C8B-B14F-4D97-AF65-F5344CB8AC3E}">
-        <p14:creationId xmlns:p14="http://schemas.microsoft.com/office/powerpoint/2010/main" val="144257338"/>
+        <p14:creationId xmlns:p14="http://schemas.microsoft.com/office/powerpoint/2010/main" val="396969502"/>
       </p:ext>
     </p:extLst>
   </p:cSld>
@@ -5747,8 +7187,8 @@
         </p:nvSpPr>
         <p:spPr>
           <a:xfrm>
-            <a:off x="5335920" y="325727"/>
-            <a:ext cx="1520160" cy="646331"/>
+            <a:off x="3967981" y="325727"/>
+            <a:ext cx="4256037" cy="646331"/>
           </a:xfrm>
           <a:prstGeom prst="rect">
             <a:avLst/>
@@ -5762,35 +7202,265 @@
           <a:lstStyle/>
           <a:p>
             <a:r>
+              <a:rPr lang="en-US" sz="3600" dirty="0" smtClean="0"/>
+              <a:t>Choose </a:t>
+            </a:r>
+            <a:r>
               <a:rPr lang="en-US" sz="3600" smtClean="0"/>
-              <a:t>Results</a:t>
-            </a:r>
-          </a:p>
-        </p:txBody>
-      </p:sp>
-      <p:sp>
-        <p:nvSpPr>
-          <p:cNvPr id="11" name="Content Placeholder 10"/>
-          <p:cNvSpPr>
-            <a:spLocks noGrp="1"/>
-          </p:cNvSpPr>
-          <p:nvPr>
-            <p:ph idx="1"/>
-          </p:nvPr>
-        </p:nvSpPr>
-        <p:spPr/>
-        <p:txBody>
-          <a:bodyPr/>
-          <a:lstStyle/>
-          <a:p>
+              <a:t>your classifier</a:t>
+            </a:r>
+            <a:endParaRPr lang="en-US" sz="3600" dirty="0"/>
+          </a:p>
+        </p:txBody>
+      </p:sp>
+      <p:cxnSp>
+        <p:nvCxnSpPr>
+          <p:cNvPr id="3" name="Straight Arrow Connector 2"/>
+          <p:cNvCxnSpPr/>
+          <p:nvPr/>
+        </p:nvCxnSpPr>
+        <p:spPr>
+          <a:xfrm>
+            <a:off x="2430966" y="5579390"/>
+            <a:ext cx="6961007" cy="0"/>
+          </a:xfrm>
+          <a:prstGeom prst="straightConnector1">
+            <a:avLst/>
+          </a:prstGeom>
+          <a:ln w="76200">
+            <a:tailEnd type="triangle"/>
+          </a:ln>
+        </p:spPr>
+        <p:style>
+          <a:lnRef idx="1">
+            <a:schemeClr val="accent1"/>
+          </a:lnRef>
+          <a:fillRef idx="0">
+            <a:schemeClr val="accent1"/>
+          </a:fillRef>
+          <a:effectRef idx="0">
+            <a:schemeClr val="accent1"/>
+          </a:effectRef>
+          <a:fontRef idx="minor">
+            <a:schemeClr val="tx1"/>
+          </a:fontRef>
+        </p:style>
+      </p:cxnSp>
+      <p:cxnSp>
+        <p:nvCxnSpPr>
+          <p:cNvPr id="6" name="Straight Arrow Connector 5"/>
+          <p:cNvCxnSpPr/>
+          <p:nvPr/>
+        </p:nvCxnSpPr>
+        <p:spPr>
+          <a:xfrm flipV="1">
+            <a:off x="2430966" y="1844298"/>
+            <a:ext cx="0" cy="3735092"/>
+          </a:xfrm>
+          <a:prstGeom prst="straightConnector1">
+            <a:avLst/>
+          </a:prstGeom>
+          <a:ln w="76200">
+            <a:tailEnd type="triangle"/>
+          </a:ln>
+        </p:spPr>
+        <p:style>
+          <a:lnRef idx="1">
+            <a:schemeClr val="accent1"/>
+          </a:lnRef>
+          <a:fillRef idx="0">
+            <a:schemeClr val="accent1"/>
+          </a:fillRef>
+          <a:effectRef idx="0">
+            <a:schemeClr val="accent1"/>
+          </a:effectRef>
+          <a:fontRef idx="minor">
+            <a:schemeClr val="tx1"/>
+          </a:fontRef>
+        </p:style>
+      </p:cxnSp>
+      <p:sp>
+        <p:nvSpPr>
+          <p:cNvPr id="10" name="TextBox 9"/>
+          <p:cNvSpPr txBox="1"/>
+          <p:nvPr/>
+        </p:nvSpPr>
+        <p:spPr>
+          <a:xfrm>
+            <a:off x="867905" y="1844298"/>
+            <a:ext cx="1302216" cy="461665"/>
+          </a:xfrm>
+          <a:prstGeom prst="rect">
+            <a:avLst/>
+          </a:prstGeom>
+          <a:noFill/>
+        </p:spPr>
+        <p:txBody>
+          <a:bodyPr wrap="none" rtlCol="0">
+            <a:spAutoFit/>
+          </a:bodyPr>
+          <a:lstStyle/>
+          <a:p>
+            <a:r>
+              <a:rPr lang="en-US" sz="2400" dirty="0" smtClean="0"/>
+              <a:t>Accuracy</a:t>
+            </a:r>
+            <a:endParaRPr lang="en-US" sz="2400" dirty="0"/>
+          </a:p>
+        </p:txBody>
+      </p:sp>
+      <p:sp>
+        <p:nvSpPr>
+          <p:cNvPr id="12" name="TextBox 11"/>
+          <p:cNvSpPr txBox="1"/>
+          <p:nvPr/>
+        </p:nvSpPr>
+        <p:spPr>
+          <a:xfrm>
+            <a:off x="8089757" y="5824779"/>
+            <a:ext cx="1368195" cy="461665"/>
+          </a:xfrm>
+          <a:prstGeom prst="rect">
+            <a:avLst/>
+          </a:prstGeom>
+          <a:noFill/>
+        </p:spPr>
+        <p:txBody>
+          <a:bodyPr wrap="none" rtlCol="0">
+            <a:spAutoFit/>
+          </a:bodyPr>
+          <a:lstStyle/>
+          <a:p>
+            <a:r>
+              <a:rPr lang="en-US" sz="2400" dirty="0" smtClean="0"/>
+              <a:t>Efficiency</a:t>
+            </a:r>
+          </a:p>
+        </p:txBody>
+      </p:sp>
+      <p:sp>
+        <p:nvSpPr>
+          <p:cNvPr id="13" name="TextBox 12"/>
+          <p:cNvSpPr txBox="1"/>
+          <p:nvPr/>
+        </p:nvSpPr>
+        <p:spPr>
+          <a:xfrm>
+            <a:off x="3093950" y="3527178"/>
+            <a:ext cx="617670" cy="369332"/>
+          </a:xfrm>
+          <a:prstGeom prst="rect">
+            <a:avLst/>
+          </a:prstGeom>
+          <a:noFill/>
+        </p:spPr>
+        <p:txBody>
+          <a:bodyPr wrap="none" rtlCol="0">
+            <a:spAutoFit/>
+          </a:bodyPr>
+          <a:lstStyle/>
+          <a:p>
+            <a:r>
+              <a:rPr lang="en-US" dirty="0" smtClean="0"/>
+              <a:t>SVM</a:t>
+            </a:r>
             <a:endParaRPr lang="en-US" dirty="0"/>
+          </a:p>
+        </p:txBody>
+      </p:sp>
+      <p:sp>
+        <p:nvSpPr>
+          <p:cNvPr id="14" name="TextBox 13"/>
+          <p:cNvSpPr txBox="1"/>
+          <p:nvPr/>
+        </p:nvSpPr>
+        <p:spPr>
+          <a:xfrm>
+            <a:off x="6658533" y="3711844"/>
+            <a:ext cx="603050" cy="369332"/>
+          </a:xfrm>
+          <a:prstGeom prst="rect">
+            <a:avLst/>
+          </a:prstGeom>
+          <a:noFill/>
+        </p:spPr>
+        <p:txBody>
+          <a:bodyPr wrap="none" rtlCol="0">
+            <a:spAutoFit/>
+          </a:bodyPr>
+          <a:lstStyle/>
+          <a:p>
+            <a:r>
+              <a:rPr lang="en-US" dirty="0" smtClean="0"/>
+              <a:t>KNN</a:t>
+            </a:r>
+            <a:endParaRPr lang="en-US" dirty="0"/>
+          </a:p>
+        </p:txBody>
+      </p:sp>
+      <p:sp>
+        <p:nvSpPr>
+          <p:cNvPr id="15" name="TextBox 14"/>
+          <p:cNvSpPr txBox="1"/>
+          <p:nvPr/>
+        </p:nvSpPr>
+        <p:spPr>
+          <a:xfrm>
+            <a:off x="5765810" y="3793100"/>
+            <a:ext cx="407484" cy="369332"/>
+          </a:xfrm>
+          <a:prstGeom prst="rect">
+            <a:avLst/>
+          </a:prstGeom>
+          <a:noFill/>
+        </p:spPr>
+        <p:txBody>
+          <a:bodyPr wrap="none" rtlCol="0">
+            <a:spAutoFit/>
+          </a:bodyPr>
+          <a:lstStyle/>
+          <a:p>
+            <a:r>
+              <a:rPr lang="en-US" dirty="0" smtClean="0"/>
+              <a:t>LR</a:t>
+            </a:r>
+          </a:p>
+        </p:txBody>
+      </p:sp>
+      <p:sp>
+        <p:nvSpPr>
+          <p:cNvPr id="16" name="TextBox 15"/>
+          <p:cNvSpPr txBox="1"/>
+          <p:nvPr/>
+        </p:nvSpPr>
+        <p:spPr>
+          <a:xfrm>
+            <a:off x="6017428" y="2777812"/>
+            <a:ext cx="942630" cy="369332"/>
+          </a:xfrm>
+          <a:prstGeom prst="rect">
+            <a:avLst/>
+          </a:prstGeom>
+          <a:noFill/>
+        </p:spPr>
+        <p:txBody>
+          <a:bodyPr wrap="none" rtlCol="0">
+            <a:spAutoFit/>
+          </a:bodyPr>
+          <a:lstStyle/>
+          <a:p>
+            <a:r>
+              <a:rPr lang="en-US" dirty="0" err="1" smtClean="0"/>
+              <a:t>Xgboost</a:t>
+            </a:r>
+            <a:endParaRPr lang="en-US" dirty="0" smtClean="0"/>
           </a:p>
         </p:txBody>
       </p:sp>
     </p:spTree>
     <p:extLst>
       <p:ext uri="{BB962C8B-B14F-4D97-AF65-F5344CB8AC3E}">
-        <p14:creationId xmlns:p14="http://schemas.microsoft.com/office/powerpoint/2010/main" val="1572789813"/>
+        <p14:creationId xmlns:p14="http://schemas.microsoft.com/office/powerpoint/2010/main" val="314697543"/>
       </p:ext>
     </p:extLst>
   </p:cSld>
@@ -5896,8 +7566,8 @@
         </p:nvSpPr>
         <p:spPr>
           <a:xfrm>
-            <a:off x="4988640" y="325727"/>
-            <a:ext cx="2233304" cy="646331"/>
+            <a:off x="3967981" y="325727"/>
+            <a:ext cx="4256037" cy="646331"/>
           </a:xfrm>
           <a:prstGeom prst="rect">
             <a:avLst/>
@@ -5912,72 +7582,92 @@
           <a:p>
             <a:r>
               <a:rPr lang="en-US" sz="3600" dirty="0" smtClean="0"/>
-              <a:t>Conclusion</a:t>
-            </a:r>
-          </a:p>
-        </p:txBody>
-      </p:sp>
-      <p:sp>
-        <p:nvSpPr>
-          <p:cNvPr id="3" name="Content Placeholder 2"/>
-          <p:cNvSpPr>
-            <a:spLocks noGrp="1"/>
-          </p:cNvSpPr>
-          <p:nvPr>
-            <p:ph sz="half" idx="1"/>
-          </p:nvPr>
-        </p:nvSpPr>
-        <p:spPr/>
-        <p:txBody>
-          <a:bodyPr/>
-          <a:lstStyle/>
-          <a:p>
-            <a:endParaRPr lang="en-US" dirty="0" smtClean="0"/>
-          </a:p>
-          <a:p>
-            <a:r>
-              <a:rPr lang="en-US" dirty="0" smtClean="0"/>
-              <a:t>XXX</a:t>
-            </a:r>
-          </a:p>
-        </p:txBody>
-      </p:sp>
-      <p:sp>
-        <p:nvSpPr>
-          <p:cNvPr id="4" name="Content Placeholder 3"/>
-          <p:cNvSpPr>
-            <a:spLocks noGrp="1"/>
-          </p:cNvSpPr>
-          <p:nvPr>
-            <p:ph sz="half" idx="2"/>
-          </p:nvPr>
-        </p:nvSpPr>
-        <p:spPr/>
-        <p:txBody>
-          <a:bodyPr/>
-          <a:lstStyle/>
-          <a:p>
-            <a:endParaRPr lang="en-US" dirty="0" smtClean="0"/>
-          </a:p>
-          <a:p>
-            <a:r>
-              <a:rPr lang="en-US" dirty="0" smtClean="0"/>
-              <a:t>YYY</a:t>
-            </a:r>
-            <a:endParaRPr lang="en-US" dirty="0"/>
-          </a:p>
-        </p:txBody>
-      </p:sp>
-      <p:sp>
-        <p:nvSpPr>
-          <p:cNvPr id="6" name="TextBox 5"/>
+              <a:t>Choose </a:t>
+            </a:r>
+            <a:r>
+              <a:rPr lang="en-US" sz="3600" smtClean="0"/>
+              <a:t>your classifier</a:t>
+            </a:r>
+            <a:endParaRPr lang="en-US" sz="3600" dirty="0"/>
+          </a:p>
+        </p:txBody>
+      </p:sp>
+      <p:cxnSp>
+        <p:nvCxnSpPr>
+          <p:cNvPr id="3" name="Straight Arrow Connector 2"/>
+          <p:cNvCxnSpPr/>
+          <p:nvPr/>
+        </p:nvCxnSpPr>
+        <p:spPr>
+          <a:xfrm>
+            <a:off x="2430966" y="5579390"/>
+            <a:ext cx="6961007" cy="0"/>
+          </a:xfrm>
+          <a:prstGeom prst="straightConnector1">
+            <a:avLst/>
+          </a:prstGeom>
+          <a:ln w="76200">
+            <a:tailEnd type="triangle"/>
+          </a:ln>
+        </p:spPr>
+        <p:style>
+          <a:lnRef idx="1">
+            <a:schemeClr val="accent1"/>
+          </a:lnRef>
+          <a:fillRef idx="0">
+            <a:schemeClr val="accent1"/>
+          </a:fillRef>
+          <a:effectRef idx="0">
+            <a:schemeClr val="accent1"/>
+          </a:effectRef>
+          <a:fontRef idx="minor">
+            <a:schemeClr val="tx1"/>
+          </a:fontRef>
+        </p:style>
+      </p:cxnSp>
+      <p:cxnSp>
+        <p:nvCxnSpPr>
+          <p:cNvPr id="6" name="Straight Arrow Connector 5"/>
+          <p:cNvCxnSpPr/>
+          <p:nvPr/>
+        </p:nvCxnSpPr>
+        <p:spPr>
+          <a:xfrm flipV="1">
+            <a:off x="2430966" y="1844298"/>
+            <a:ext cx="0" cy="3735092"/>
+          </a:xfrm>
+          <a:prstGeom prst="straightConnector1">
+            <a:avLst/>
+          </a:prstGeom>
+          <a:ln w="76200">
+            <a:tailEnd type="triangle"/>
+          </a:ln>
+        </p:spPr>
+        <p:style>
+          <a:lnRef idx="1">
+            <a:schemeClr val="accent1"/>
+          </a:lnRef>
+          <a:fillRef idx="0">
+            <a:schemeClr val="accent1"/>
+          </a:fillRef>
+          <a:effectRef idx="0">
+            <a:schemeClr val="accent1"/>
+          </a:effectRef>
+          <a:fontRef idx="minor">
+            <a:schemeClr val="tx1"/>
+          </a:fontRef>
+        </p:style>
+      </p:cxnSp>
+      <p:sp>
+        <p:nvSpPr>
+          <p:cNvPr id="10" name="TextBox 9"/>
           <p:cNvSpPr txBox="1"/>
           <p:nvPr/>
         </p:nvSpPr>
         <p:spPr>
           <a:xfrm>
-            <a:off x="2644811" y="1302405"/>
-            <a:ext cx="1568378" cy="523220"/>
+            <a:off x="867905" y="1844298"/>
+            <a:ext cx="1302216" cy="461665"/>
           </a:xfrm>
           <a:prstGeom prst="rect">
             <a:avLst/>
@@ -5991,23 +7681,23 @@
           <a:lstStyle/>
           <a:p>
             <a:r>
-              <a:rPr lang="en-US" sz="2800" dirty="0" smtClean="0"/>
-              <a:t>Language</a:t>
-            </a:r>
-            <a:endParaRPr lang="en-US" sz="2800" dirty="0"/>
-          </a:p>
-        </p:txBody>
-      </p:sp>
-      <p:sp>
-        <p:nvSpPr>
-          <p:cNvPr id="10" name="TextBox 9"/>
+              <a:rPr lang="en-US" sz="2400" dirty="0" smtClean="0"/>
+              <a:t>Accuracy</a:t>
+            </a:r>
+            <a:endParaRPr lang="en-US" sz="2400" dirty="0"/>
+          </a:p>
+        </p:txBody>
+      </p:sp>
+      <p:sp>
+        <p:nvSpPr>
+          <p:cNvPr id="12" name="TextBox 11"/>
           <p:cNvSpPr txBox="1"/>
           <p:nvPr/>
         </p:nvSpPr>
         <p:spPr>
           <a:xfrm>
-            <a:off x="7978811" y="1295516"/>
-            <a:ext cx="1468415" cy="523220"/>
+            <a:off x="8089757" y="5824779"/>
+            <a:ext cx="1368195" cy="461665"/>
           </a:xfrm>
           <a:prstGeom prst="rect">
             <a:avLst/>
@@ -6021,17 +7711,143 @@
           <a:lstStyle/>
           <a:p>
             <a:r>
-              <a:rPr lang="en-US" sz="2800" dirty="0" smtClean="0"/>
-              <a:t>Statistics</a:t>
-            </a:r>
-            <a:endParaRPr lang="en-US" sz="2800" dirty="0"/>
+              <a:rPr lang="en-US" sz="2400" dirty="0" smtClean="0"/>
+              <a:t>Efficiency</a:t>
+            </a:r>
+          </a:p>
+        </p:txBody>
+      </p:sp>
+      <p:sp>
+        <p:nvSpPr>
+          <p:cNvPr id="13" name="TextBox 12"/>
+          <p:cNvSpPr txBox="1"/>
+          <p:nvPr/>
+        </p:nvSpPr>
+        <p:spPr>
+          <a:xfrm>
+            <a:off x="3093950" y="3527178"/>
+            <a:ext cx="617670" cy="369332"/>
+          </a:xfrm>
+          <a:prstGeom prst="rect">
+            <a:avLst/>
+          </a:prstGeom>
+          <a:noFill/>
+        </p:spPr>
+        <p:txBody>
+          <a:bodyPr wrap="none" rtlCol="0">
+            <a:spAutoFit/>
+          </a:bodyPr>
+          <a:lstStyle/>
+          <a:p>
+            <a:r>
+              <a:rPr lang="en-US" dirty="0" smtClean="0"/>
+              <a:t>SVM</a:t>
+            </a:r>
+            <a:endParaRPr lang="en-US" dirty="0"/>
+          </a:p>
+        </p:txBody>
+      </p:sp>
+      <p:sp>
+        <p:nvSpPr>
+          <p:cNvPr id="14" name="TextBox 13"/>
+          <p:cNvSpPr txBox="1"/>
+          <p:nvPr/>
+        </p:nvSpPr>
+        <p:spPr>
+          <a:xfrm>
+            <a:off x="6658533" y="3711844"/>
+            <a:ext cx="603050" cy="369332"/>
+          </a:xfrm>
+          <a:prstGeom prst="rect">
+            <a:avLst/>
+          </a:prstGeom>
+          <a:noFill/>
+        </p:spPr>
+        <p:txBody>
+          <a:bodyPr wrap="none" rtlCol="0">
+            <a:spAutoFit/>
+          </a:bodyPr>
+          <a:lstStyle/>
+          <a:p>
+            <a:r>
+              <a:rPr lang="en-US" dirty="0" smtClean="0"/>
+              <a:t>KNN</a:t>
+            </a:r>
+            <a:endParaRPr lang="en-US" dirty="0"/>
+          </a:p>
+        </p:txBody>
+      </p:sp>
+      <p:sp>
+        <p:nvSpPr>
+          <p:cNvPr id="15" name="TextBox 14"/>
+          <p:cNvSpPr txBox="1"/>
+          <p:nvPr/>
+        </p:nvSpPr>
+        <p:spPr>
+          <a:xfrm>
+            <a:off x="5765810" y="3793100"/>
+            <a:ext cx="407484" cy="369332"/>
+          </a:xfrm>
+          <a:prstGeom prst="rect">
+            <a:avLst/>
+          </a:prstGeom>
+          <a:noFill/>
+        </p:spPr>
+        <p:txBody>
+          <a:bodyPr wrap="none" rtlCol="0">
+            <a:spAutoFit/>
+          </a:bodyPr>
+          <a:lstStyle/>
+          <a:p>
+            <a:r>
+              <a:rPr lang="en-US" dirty="0" smtClean="0"/>
+              <a:t>LR</a:t>
+            </a:r>
+          </a:p>
+        </p:txBody>
+      </p:sp>
+      <p:sp>
+        <p:nvSpPr>
+          <p:cNvPr id="16" name="TextBox 15"/>
+          <p:cNvSpPr txBox="1"/>
+          <p:nvPr/>
+        </p:nvSpPr>
+        <p:spPr>
+          <a:xfrm>
+            <a:off x="5728535" y="2587864"/>
+            <a:ext cx="1533048" cy="584775"/>
+          </a:xfrm>
+          <a:prstGeom prst="rect">
+            <a:avLst/>
+          </a:prstGeom>
+          <a:noFill/>
+        </p:spPr>
+        <p:txBody>
+          <a:bodyPr wrap="none" rtlCol="0">
+            <a:spAutoFit/>
+          </a:bodyPr>
+          <a:lstStyle/>
+          <a:p>
+            <a:r>
+              <a:rPr lang="en-US" sz="3200" dirty="0" err="1" smtClean="0">
+                <a:solidFill>
+                  <a:srgbClr val="C00000"/>
+                </a:solidFill>
+              </a:rPr>
+              <a:t>Xgboost</a:t>
+            </a:r>
+            <a:endParaRPr lang="en-US" sz="3200" dirty="0" smtClean="0">
+              <a:solidFill>
+                <a:srgbClr val="C00000"/>
+              </a:solidFill>
+            </a:endParaRPr>
           </a:p>
         </p:txBody>
       </p:sp>
     </p:spTree>
     <p:extLst>
       <p:ext uri="{BB962C8B-B14F-4D97-AF65-F5344CB8AC3E}">
-        <p14:creationId xmlns:p14="http://schemas.microsoft.com/office/powerpoint/2010/main" val="2113882073"/>
+        <p14:creationId xmlns:p14="http://schemas.microsoft.com/office/powerpoint/2010/main" val="144257338"/>
       </p:ext>
     </p:extLst>
   </p:cSld>

--- a/slides/Presentation1.pptx
+++ b/slides/Presentation1.pptx
@@ -4205,7 +4205,23 @@
           <a:p>
             <a:r>
               <a:rPr lang="en-US" dirty="0" smtClean="0"/>
-              <a:t>Some insights are hard to transform into feature, sometimes we need help from statistics.</a:t>
+              <a:t>Some insights are hard to transform </a:t>
+            </a:r>
+            <a:r>
+              <a:rPr lang="en-US" smtClean="0"/>
+              <a:t>into features</a:t>
+            </a:r>
+            <a:r>
+              <a:rPr lang="en-US" smtClean="0"/>
+              <a:t>.</a:t>
+            </a:r>
+            <a:r>
+              <a:rPr lang="en-US" smtClean="0"/>
+              <a:t> </a:t>
+            </a:r>
+            <a:r>
+              <a:rPr lang="en-US" dirty="0" smtClean="0"/>
+              <a:t>Sometimes we need help from statistics.</a:t>
             </a:r>
             <a:endParaRPr lang="en-US" dirty="0" smtClean="0"/>
           </a:p>
